--- a/slajdy/slajdy.pptx
+++ b/slajdy/slajdy.pptx
@@ -20,16 +20,23 @@
   <p:notesSz cx="6858000" cy="9144000"/>
   <p:embeddedFontLst>
     <p:embeddedFont>
-      <p:font typeface="Dosis" pitchFamily="2" charset="0"/>
+      <p:font typeface="Calibri" panose="020F0502020204030204" pitchFamily="34" charset="0"/>
       <p:regular r:id="rId10"/>
       <p:bold r:id="rId11"/>
+      <p:italic r:id="rId12"/>
+      <p:boldItalic r:id="rId13"/>
+    </p:embeddedFont>
+    <p:embeddedFont>
+      <p:font typeface="Dosis" pitchFamily="2" charset="0"/>
+      <p:regular r:id="rId14"/>
+      <p:bold r:id="rId15"/>
     </p:embeddedFont>
     <p:embeddedFont>
       <p:font typeface="Source Sans Pro" panose="020B0503030403020204" pitchFamily="34" charset="0"/>
-      <p:regular r:id="rId12"/>
-      <p:bold r:id="rId13"/>
-      <p:italic r:id="rId14"/>
-      <p:boldItalic r:id="rId15"/>
+      <p:regular r:id="rId16"/>
+      <p:bold r:id="rId17"/>
+      <p:italic r:id="rId18"/>
+      <p:boldItalic r:id="rId19"/>
     </p:embeddedFont>
   </p:embeddedFontLst>
   <p:defaultTextStyle>
@@ -275,888 +282,6 @@
     <p1510:client id="{DE2DD3CD-6F35-48A2-932A-AA131B5BE5FE}" v="208" dt="2022-11-22T21:54:57.557"/>
   </p1510:revLst>
 </p1510:revInfo>
-</file>
-
-<file path=ppt/charts/chart1.xml><?xml version="1.0" encoding="utf-8"?>
-<c:chartSpace xmlns:c="http://schemas.openxmlformats.org/drawingml/2006/chart" xmlns:a="http://schemas.openxmlformats.org/drawingml/2006/main" xmlns:r="http://schemas.openxmlformats.org/officeDocument/2006/relationships" xmlns:c16r2="http://schemas.microsoft.com/office/drawing/2015/06/chart">
-  <c:date1904 val="0"/>
-  <c:lang val="en-US"/>
-  <c:roundedCorners val="0"/>
-  <mc:AlternateContent xmlns:mc="http://schemas.openxmlformats.org/markup-compatibility/2006">
-    <mc:Choice xmlns:c14="http://schemas.microsoft.com/office/drawing/2007/8/2/chart" Requires="c14">
-      <c14:style val="103"/>
-    </mc:Choice>
-    <mc:Fallback>
-      <c:style val="3"/>
-    </mc:Fallback>
-  </mc:AlternateContent>
-  <c:chart>
-    <c:autoTitleDeleted val="1"/>
-    <c:plotArea>
-      <c:layout/>
-      <c:barChart>
-        <c:barDir val="bar"/>
-        <c:grouping val="clustered"/>
-        <c:varyColors val="0"/>
-        <c:ser>
-          <c:idx val="0"/>
-          <c:order val="0"/>
-          <c:tx>
-            <c:strRef>
-              <c:f>Sheet1!$B$1</c:f>
-              <c:strCache>
-                <c:ptCount val="1"/>
-                <c:pt idx="0">
-                  <c:v>Number of monthly unique users in millions</c:v>
-                </c:pt>
-              </c:strCache>
-            </c:strRef>
-          </c:tx>
-          <c:spPr>
-            <a:solidFill>
-              <a:schemeClr val="bg2"/>
-            </a:solidFill>
-            <a:ln>
-              <a:noFill/>
-            </a:ln>
-            <a:effectLst/>
-          </c:spPr>
-          <c:invertIfNegative val="0"/>
-          <c:dLbls>
-            <c:spPr>
-              <a:noFill/>
-              <a:ln>
-                <a:noFill/>
-              </a:ln>
-              <a:effectLst/>
-            </c:spPr>
-            <c:txPr>
-              <a:bodyPr rot="0" spcFirstLastPara="1" vertOverflow="ellipsis" vert="horz" wrap="square" lIns="38100" tIns="19050" rIns="38100" bIns="19050" anchor="ctr" anchorCtr="1">
-                <a:spAutoFit/>
-              </a:bodyPr>
-              <a:lstStyle/>
-              <a:p>
-                <a:pPr>
-                  <a:defRPr sz="900" b="1" i="0" u="none" strike="noStrike" kern="1200" baseline="0">
-                    <a:solidFill>
-                      <a:schemeClr val="bg2">
-                        <a:lumMod val="50000"/>
-                      </a:schemeClr>
-                    </a:solidFill>
-                    <a:latin typeface="+mn-lt"/>
-                    <a:ea typeface="+mn-ea"/>
-                    <a:cs typeface="+mn-cs"/>
-                  </a:defRPr>
-                </a:pPr>
-                <a:endParaRPr lang="en-US"/>
-              </a:p>
-            </c:txPr>
-            <c:dLblPos val="outEnd"/>
-            <c:showLegendKey val="0"/>
-            <c:showVal val="1"/>
-            <c:showCatName val="0"/>
-            <c:showSerName val="0"/>
-            <c:showPercent val="0"/>
-            <c:showBubbleSize val="0"/>
-            <c:showLeaderLines val="0"/>
-            <c:extLst>
-              <c:ext xmlns:c15="http://schemas.microsoft.com/office/drawing/2012/chart" uri="{CE6537A1-D6FC-4f65-9D91-7224C49458BB}">
-                <c15:showLeaderLines val="1"/>
-                <c15:leaderLines>
-                  <c:spPr>
-                    <a:ln w="9525">
-                      <a:solidFill>
-                        <a:schemeClr val="tx2">
-                          <a:lumMod val="35000"/>
-                          <a:lumOff val="65000"/>
-                        </a:schemeClr>
-                      </a:solidFill>
-                    </a:ln>
-                    <a:effectLst/>
-                  </c:spPr>
-                </c15:leaderLines>
-              </c:ext>
-            </c:extLst>
-          </c:dLbls>
-          <c:cat>
-            <c:strRef>
-              <c:f>Sheet1!$A$2:$A$11</c:f>
-              <c:strCache>
-                <c:ptCount val="10"/>
-                <c:pt idx="0">
-                  <c:v>Sleep Cycle alarm clock</c:v>
-                </c:pt>
-                <c:pt idx="1">
-                  <c:v>Nike+ Running</c:v>
-                </c:pt>
-                <c:pt idx="2">
-                  <c:v>Walk with Map My Walk GPS Walking</c:v>
-                </c:pt>
-                <c:pt idx="3">
-                  <c:v>Garmin Connect Mobile</c:v>
-                </c:pt>
-                <c:pt idx="4">
-                  <c:v>My Calendar - Period Tracker</c:v>
-                </c:pt>
-                <c:pt idx="5">
-                  <c:v>Google Fit</c:v>
-                </c:pt>
-                <c:pt idx="6">
-                  <c:v>Weight Watchers</c:v>
-                </c:pt>
-                <c:pt idx="7">
-                  <c:v>S Health</c:v>
-                </c:pt>
-                <c:pt idx="8">
-                  <c:v>MyFitnessPal</c:v>
-                </c:pt>
-                <c:pt idx="9">
-                  <c:v>Fitbit</c:v>
-                </c:pt>
-              </c:strCache>
-            </c:strRef>
-          </c:cat>
-          <c:val>
-            <c:numRef>
-              <c:f>Sheet1!$B$2:$B$11</c:f>
-              <c:numCache>
-                <c:formatCode>General</c:formatCode>
-                <c:ptCount val="10"/>
-                <c:pt idx="0">
-                  <c:v>1.4</c:v>
-                </c:pt>
-                <c:pt idx="1">
-                  <c:v>1.4</c:v>
-                </c:pt>
-                <c:pt idx="2">
-                  <c:v>1.4</c:v>
-                </c:pt>
-                <c:pt idx="3">
-                  <c:v>1.7</c:v>
-                </c:pt>
-                <c:pt idx="4">
-                  <c:v>1.9</c:v>
-                </c:pt>
-                <c:pt idx="5">
-                  <c:v>2.6</c:v>
-                </c:pt>
-                <c:pt idx="6">
-                  <c:v>3.7</c:v>
-                </c:pt>
-                <c:pt idx="7">
-                  <c:v>14.9</c:v>
-                </c:pt>
-                <c:pt idx="8">
-                  <c:v>19.100000000000001</c:v>
-                </c:pt>
-                <c:pt idx="9">
-                  <c:v>27.4</c:v>
-                </c:pt>
-              </c:numCache>
-            </c:numRef>
-          </c:val>
-          <c:extLst>
-            <c:ext xmlns:c16="http://schemas.microsoft.com/office/drawing/2014/chart" uri="{C3380CC4-5D6E-409C-BE32-E72D297353CC}">
-              <c16:uniqueId val="{00000000-ED47-4A11-823D-FCDDB7F010B7}"/>
-            </c:ext>
-          </c:extLst>
-        </c:ser>
-        <c:dLbls>
-          <c:dLblPos val="outEnd"/>
-          <c:showLegendKey val="0"/>
-          <c:showVal val="1"/>
-          <c:showCatName val="0"/>
-          <c:showSerName val="0"/>
-          <c:showPercent val="0"/>
-          <c:showBubbleSize val="0"/>
-        </c:dLbls>
-        <c:gapWidth val="100"/>
-        <c:axId val="1417387216"/>
-        <c:axId val="1417383888"/>
-      </c:barChart>
-      <c:catAx>
-        <c:axId val="1417387216"/>
-        <c:scaling>
-          <c:orientation val="minMax"/>
-        </c:scaling>
-        <c:delete val="0"/>
-        <c:axPos val="l"/>
-        <c:numFmt formatCode="General" sourceLinked="1"/>
-        <c:majorTickMark val="none"/>
-        <c:minorTickMark val="none"/>
-        <c:tickLblPos val="nextTo"/>
-        <c:spPr>
-          <a:solidFill>
-            <a:schemeClr val="bg1"/>
-          </a:solidFill>
-          <a:ln w="9525" cap="flat" cmpd="sng" algn="ctr">
-            <a:solidFill>
-              <a:schemeClr val="tx1"/>
-            </a:solidFill>
-            <a:round/>
-          </a:ln>
-          <a:effectLst/>
-        </c:spPr>
-        <c:txPr>
-          <a:bodyPr rot="-60000000" spcFirstLastPara="1" vertOverflow="ellipsis" vert="horz" wrap="square" anchor="ctr" anchorCtr="1"/>
-          <a:lstStyle/>
-          <a:p>
-            <a:pPr>
-              <a:defRPr sz="900" b="1" i="0" u="none" strike="noStrike" kern="1200" baseline="0">
-                <a:solidFill>
-                  <a:schemeClr val="bg2">
-                    <a:lumMod val="50000"/>
-                  </a:schemeClr>
-                </a:solidFill>
-                <a:latin typeface="+mn-lt"/>
-                <a:ea typeface="+mn-ea"/>
-                <a:cs typeface="+mn-cs"/>
-              </a:defRPr>
-            </a:pPr>
-            <a:endParaRPr lang="en-US"/>
-          </a:p>
-        </c:txPr>
-        <c:crossAx val="1417383888"/>
-        <c:crosses val="autoZero"/>
-        <c:auto val="1"/>
-        <c:lblAlgn val="ctr"/>
-        <c:lblOffset val="100"/>
-        <c:noMultiLvlLbl val="0"/>
-      </c:catAx>
-      <c:valAx>
-        <c:axId val="1417383888"/>
-        <c:scaling>
-          <c:orientation val="minMax"/>
-        </c:scaling>
-        <c:delete val="0"/>
-        <c:axPos val="b"/>
-        <c:majorGridlines>
-          <c:spPr>
-            <a:ln w="9525" cap="flat" cmpd="sng" algn="ctr">
-              <a:solidFill>
-                <a:schemeClr val="tx2">
-                  <a:lumMod val="15000"/>
-                  <a:lumOff val="85000"/>
-                </a:schemeClr>
-              </a:solidFill>
-              <a:round/>
-            </a:ln>
-            <a:effectLst/>
-          </c:spPr>
-        </c:majorGridlines>
-        <c:title>
-          <c:tx>
-            <c:rich>
-              <a:bodyPr rot="0" spcFirstLastPara="1" vertOverflow="ellipsis" vert="horz" wrap="square" anchor="ctr" anchorCtr="1"/>
-              <a:lstStyle/>
-              <a:p>
-                <a:pPr>
-                  <a:defRPr sz="900" b="1" i="0" u="none" strike="noStrike" kern="1200" baseline="0">
-                    <a:solidFill>
-                      <a:schemeClr val="bg2">
-                        <a:lumMod val="50000"/>
-                      </a:schemeClr>
-                    </a:solidFill>
-                    <a:latin typeface="+mn-lt"/>
-                    <a:ea typeface="+mn-ea"/>
-                    <a:cs typeface="+mn-cs"/>
-                  </a:defRPr>
-                </a:pPr>
-                <a:r>
-                  <a:rPr lang="en-GB">
-                    <a:solidFill>
-                      <a:schemeClr val="bg2">
-                        <a:lumMod val="50000"/>
-                      </a:schemeClr>
-                    </a:solidFill>
-                  </a:rPr>
-                  <a:t>Number of monthly unique users in millions</a:t>
-                </a:r>
-              </a:p>
-            </c:rich>
-          </c:tx>
-          <c:overlay val="0"/>
-          <c:spPr>
-            <a:noFill/>
-            <a:ln>
-              <a:noFill/>
-            </a:ln>
-            <a:effectLst/>
-          </c:spPr>
-          <c:txPr>
-            <a:bodyPr rot="0" spcFirstLastPara="1" vertOverflow="ellipsis" vert="horz" wrap="square" anchor="ctr" anchorCtr="1"/>
-            <a:lstStyle/>
-            <a:p>
-              <a:pPr>
-                <a:defRPr sz="900" b="1" i="0" u="none" strike="noStrike" kern="1200" baseline="0">
-                  <a:solidFill>
-                    <a:schemeClr val="bg2">
-                      <a:lumMod val="50000"/>
-                    </a:schemeClr>
-                  </a:solidFill>
-                  <a:latin typeface="+mn-lt"/>
-                  <a:ea typeface="+mn-ea"/>
-                  <a:cs typeface="+mn-cs"/>
-                </a:defRPr>
-              </a:pPr>
-              <a:endParaRPr lang="en-US"/>
-            </a:p>
-          </c:txPr>
-        </c:title>
-        <c:numFmt formatCode="General" sourceLinked="1"/>
-        <c:majorTickMark val="none"/>
-        <c:minorTickMark val="none"/>
-        <c:tickLblPos val="nextTo"/>
-        <c:spPr>
-          <a:noFill/>
-          <a:ln>
-            <a:noFill/>
-          </a:ln>
-          <a:effectLst/>
-        </c:spPr>
-        <c:txPr>
-          <a:bodyPr rot="-60000000" spcFirstLastPara="1" vertOverflow="ellipsis" vert="horz" wrap="square" anchor="ctr" anchorCtr="1"/>
-          <a:lstStyle/>
-          <a:p>
-            <a:pPr>
-              <a:defRPr sz="900" b="0" i="0" u="none" strike="noStrike" kern="1200" cap="none" spc="0" baseline="0">
-                <a:ln w="0"/>
-                <a:solidFill>
-                  <a:schemeClr val="accent1"/>
-                </a:solidFill>
-                <a:effectLst>
-                  <a:outerShdw blurRad="38100" dist="25400" dir="5400000" algn="ctr" rotWithShape="0">
-                    <a:srgbClr val="6E747A">
-                      <a:alpha val="43000"/>
-                    </a:srgbClr>
-                  </a:outerShdw>
-                </a:effectLst>
-                <a:latin typeface="+mn-lt"/>
-                <a:ea typeface="+mn-ea"/>
-                <a:cs typeface="+mn-cs"/>
-              </a:defRPr>
-            </a:pPr>
-            <a:endParaRPr lang="en-US"/>
-          </a:p>
-        </c:txPr>
-        <c:crossAx val="1417387216"/>
-        <c:crosses val="autoZero"/>
-        <c:crossBetween val="between"/>
-      </c:valAx>
-      <c:spPr>
-        <a:noFill/>
-        <a:ln>
-          <a:noFill/>
-        </a:ln>
-        <a:effectLst/>
-      </c:spPr>
-    </c:plotArea>
-    <c:plotVisOnly val="1"/>
-    <c:dispBlanksAs val="gap"/>
-    <c:extLst>
-      <c:ext xmlns:c16r3="http://schemas.microsoft.com/office/drawing/2017/03/chart" uri="{56B9EC1D-385E-4148-901F-78D8002777C0}">
-        <c16r3:dataDisplayOptions16>
-          <c16r3:dispNaAsBlank val="1"/>
-        </c16r3:dataDisplayOptions16>
-      </c:ext>
-    </c:extLst>
-    <c:showDLblsOverMax val="0"/>
-  </c:chart>
-  <c:spPr>
-    <a:noFill/>
-    <a:ln>
-      <a:noFill/>
-    </a:ln>
-    <a:effectLst/>
-  </c:spPr>
-  <c:txPr>
-    <a:bodyPr/>
-    <a:lstStyle/>
-    <a:p>
-      <a:pPr>
-        <a:defRPr/>
-      </a:pPr>
-      <a:endParaRPr lang="en-US"/>
-    </a:p>
-  </c:txPr>
-  <c:externalData r:id="rId3">
-    <c:autoUpdate val="0"/>
-  </c:externalData>
-</c:chartSpace>
-</file>
-
-<file path=ppt/charts/colors1.xml><?xml version="1.0" encoding="utf-8"?>
-<cs:colorStyle xmlns:cs="http://schemas.microsoft.com/office/drawing/2012/chartStyle" xmlns:a="http://schemas.openxmlformats.org/drawingml/2006/main" meth="withinLinearReversed" id="21">
-  <a:schemeClr val="accent1"/>
-</cs:colorStyle>
-</file>
-
-<file path=ppt/charts/style1.xml><?xml version="1.0" encoding="utf-8"?>
-<cs:chartStyle xmlns:cs="http://schemas.microsoft.com/office/drawing/2012/chartStyle" xmlns:a="http://schemas.openxmlformats.org/drawingml/2006/main" id="220">
-  <cs:axisTitle>
-    <cs:lnRef idx="0"/>
-    <cs:fillRef idx="0"/>
-    <cs:effectRef idx="0"/>
-    <cs:fontRef idx="minor">
-      <a:schemeClr val="tx2"/>
-    </cs:fontRef>
-    <cs:defRPr sz="900" b="1" kern="1200"/>
-  </cs:axisTitle>
-  <cs:categoryAxis>
-    <cs:lnRef idx="0"/>
-    <cs:fillRef idx="0"/>
-    <cs:effectRef idx="0"/>
-    <cs:fontRef idx="minor">
-      <a:schemeClr val="tx2"/>
-    </cs:fontRef>
-    <cs:spPr>
-      <a:ln w="9525" cap="flat" cmpd="sng" algn="ctr">
-        <a:solidFill>
-          <a:schemeClr val="tx2">
-            <a:lumMod val="15000"/>
-            <a:lumOff val="85000"/>
-          </a:schemeClr>
-        </a:solidFill>
-        <a:round/>
-      </a:ln>
-    </cs:spPr>
-    <cs:defRPr sz="900" kern="1200"/>
-  </cs:categoryAxis>
-  <cs:chartArea mods="allowNoFillOverride allowNoLineOverride">
-    <cs:lnRef idx="0"/>
-    <cs:fillRef idx="0"/>
-    <cs:effectRef idx="0"/>
-    <cs:fontRef idx="minor">
-      <a:schemeClr val="tx2"/>
-    </cs:fontRef>
-    <cs:spPr>
-      <a:solidFill>
-        <a:schemeClr val="bg1"/>
-      </a:solidFill>
-      <a:ln w="9525" cap="flat" cmpd="sng" algn="ctr">
-        <a:solidFill>
-          <a:schemeClr val="tx2">
-            <a:lumMod val="15000"/>
-            <a:lumOff val="85000"/>
-          </a:schemeClr>
-        </a:solidFill>
-        <a:round/>
-      </a:ln>
-    </cs:spPr>
-    <cs:defRPr sz="900" kern="1200"/>
-  </cs:chartArea>
-  <cs:dataLabel>
-    <cs:lnRef idx="0"/>
-    <cs:fillRef idx="0"/>
-    <cs:effectRef idx="0"/>
-    <cs:fontRef idx="minor">
-      <a:schemeClr val="tx2"/>
-    </cs:fontRef>
-    <cs:defRPr sz="900" kern="1200"/>
-  </cs:dataLabel>
-  <cs:dataLabelCallout>
-    <cs:lnRef idx="0"/>
-    <cs:fillRef idx="0"/>
-    <cs:effectRef idx="0"/>
-    <cs:fontRef idx="minor">
-      <a:schemeClr val="dk2">
-        <a:lumMod val="75000"/>
-      </a:schemeClr>
-    </cs:fontRef>
-    <cs:spPr>
-      <a:solidFill>
-        <a:schemeClr val="lt1"/>
-      </a:solidFill>
-      <a:ln>
-        <a:solidFill>
-          <a:schemeClr val="dk1">
-            <a:lumMod val="25000"/>
-            <a:lumOff val="75000"/>
-          </a:schemeClr>
-        </a:solidFill>
-      </a:ln>
-    </cs:spPr>
-    <cs:defRPr sz="900" kern="1200"/>
-    <cs:bodyPr rot="0" spcFirstLastPara="1" vertOverflow="clip" horzOverflow="clip" vert="horz" wrap="square" lIns="36576" tIns="18288" rIns="36576" bIns="18288" anchor="ctr" anchorCtr="1">
-      <a:spAutoFit/>
-    </cs:bodyPr>
-  </cs:dataLabelCallout>
-  <cs:dataPoint>
-    <cs:lnRef idx="0"/>
-    <cs:fillRef idx="3">
-      <cs:styleClr val="auto"/>
-    </cs:fillRef>
-    <cs:effectRef idx="2"/>
-    <cs:fontRef idx="minor">
-      <a:schemeClr val="tx2"/>
-    </cs:fontRef>
-  </cs:dataPoint>
-  <cs:dataPoint3D>
-    <cs:lnRef idx="0"/>
-    <cs:fillRef idx="3">
-      <cs:styleClr val="auto"/>
-    </cs:fillRef>
-    <cs:effectRef idx="2"/>
-    <cs:fontRef idx="minor">
-      <a:schemeClr val="tx2"/>
-    </cs:fontRef>
-  </cs:dataPoint3D>
-  <cs:dataPointLine>
-    <cs:lnRef idx="0">
-      <cs:styleClr val="auto"/>
-    </cs:lnRef>
-    <cs:fillRef idx="3"/>
-    <cs:effectRef idx="2"/>
-    <cs:fontRef idx="minor">
-      <a:schemeClr val="tx2"/>
-    </cs:fontRef>
-    <cs:spPr>
-      <a:ln w="31750" cap="rnd">
-        <a:solidFill>
-          <a:schemeClr val="phClr"/>
-        </a:solidFill>
-        <a:round/>
-      </a:ln>
-    </cs:spPr>
-  </cs:dataPointLine>
-  <cs:dataPointMarker>
-    <cs:lnRef idx="0"/>
-    <cs:fillRef idx="3">
-      <cs:styleClr val="auto"/>
-    </cs:fillRef>
-    <cs:effectRef idx="2"/>
-    <cs:fontRef idx="minor">
-      <a:schemeClr val="tx2"/>
-    </cs:fontRef>
-    <cs:spPr>
-      <a:ln w="12700">
-        <a:solidFill>
-          <a:schemeClr val="lt2"/>
-        </a:solidFill>
-        <a:round/>
-      </a:ln>
-    </cs:spPr>
-  </cs:dataPointMarker>
-  <cs:dataPointMarkerLayout symbol="circle" size="6"/>
-  <cs:dataPointWireframe>
-    <cs:lnRef idx="0">
-      <cs:styleClr val="auto"/>
-    </cs:lnRef>
-    <cs:fillRef idx="3"/>
-    <cs:effectRef idx="2"/>
-    <cs:fontRef idx="minor">
-      <a:schemeClr val="tx2"/>
-    </cs:fontRef>
-    <cs:spPr>
-      <a:ln w="9525" cap="rnd">
-        <a:solidFill>
-          <a:schemeClr val="phClr"/>
-        </a:solidFill>
-        <a:round/>
-      </a:ln>
-    </cs:spPr>
-  </cs:dataPointWireframe>
-  <cs:dataTable>
-    <cs:lnRef idx="0"/>
-    <cs:fillRef idx="0"/>
-    <cs:effectRef idx="0"/>
-    <cs:fontRef idx="minor">
-      <a:schemeClr val="tx2"/>
-    </cs:fontRef>
-    <cs:spPr>
-      <a:ln w="9525">
-        <a:solidFill>
-          <a:schemeClr val="tx2">
-            <a:lumMod val="15000"/>
-            <a:lumOff val="85000"/>
-          </a:schemeClr>
-        </a:solidFill>
-      </a:ln>
-    </cs:spPr>
-    <cs:defRPr sz="900" kern="1200"/>
-  </cs:dataTable>
-  <cs:downBar>
-    <cs:lnRef idx="0"/>
-    <cs:fillRef idx="0"/>
-    <cs:effectRef idx="0"/>
-    <cs:fontRef idx="minor">
-      <a:schemeClr val="dk1"/>
-    </cs:fontRef>
-    <cs:spPr>
-      <a:solidFill>
-        <a:schemeClr val="dk1">
-          <a:lumMod val="65000"/>
-          <a:lumOff val="35000"/>
-        </a:schemeClr>
-      </a:solidFill>
-      <a:ln w="9525">
-        <a:solidFill>
-          <a:schemeClr val="tx1">
-            <a:lumMod val="65000"/>
-            <a:lumOff val="35000"/>
-          </a:schemeClr>
-        </a:solidFill>
-      </a:ln>
-    </cs:spPr>
-  </cs:downBar>
-  <cs:dropLine>
-    <cs:lnRef idx="0"/>
-    <cs:fillRef idx="0"/>
-    <cs:effectRef idx="0"/>
-    <cs:fontRef idx="minor">
-      <a:schemeClr val="tx2"/>
-    </cs:fontRef>
-    <cs:spPr>
-      <a:ln w="9525">
-        <a:solidFill>
-          <a:schemeClr val="tx2">
-            <a:lumMod val="60000"/>
-            <a:lumOff val="40000"/>
-          </a:schemeClr>
-        </a:solidFill>
-        <a:prstDash val="dash"/>
-      </a:ln>
-    </cs:spPr>
-  </cs:dropLine>
-  <cs:errorBar>
-    <cs:lnRef idx="0"/>
-    <cs:fillRef idx="0"/>
-    <cs:effectRef idx="0"/>
-    <cs:fontRef idx="minor">
-      <a:schemeClr val="tx2"/>
-    </cs:fontRef>
-    <cs:spPr>
-      <a:ln w="9525">
-        <a:solidFill>
-          <a:schemeClr val="tx2">
-            <a:lumMod val="75000"/>
-          </a:schemeClr>
-        </a:solidFill>
-        <a:round/>
-      </a:ln>
-    </cs:spPr>
-  </cs:errorBar>
-  <cs:floor>
-    <cs:lnRef idx="0"/>
-    <cs:fillRef idx="0"/>
-    <cs:effectRef idx="0"/>
-    <cs:fontRef idx="minor">
-      <a:schemeClr val="tx2"/>
-    </cs:fontRef>
-  </cs:floor>
-  <cs:gridlineMajor>
-    <cs:lnRef idx="0"/>
-    <cs:fillRef idx="0"/>
-    <cs:effectRef idx="0"/>
-    <cs:fontRef idx="minor">
-      <a:schemeClr val="tx2"/>
-    </cs:fontRef>
-    <cs:spPr>
-      <a:ln w="9525" cap="flat" cmpd="sng" algn="ctr">
-        <a:solidFill>
-          <a:schemeClr val="tx2">
-            <a:lumMod val="15000"/>
-            <a:lumOff val="85000"/>
-          </a:schemeClr>
-        </a:solidFill>
-        <a:round/>
-      </a:ln>
-    </cs:spPr>
-  </cs:gridlineMajor>
-  <cs:gridlineMinor>
-    <cs:lnRef idx="0"/>
-    <cs:fillRef idx="0"/>
-    <cs:effectRef idx="0"/>
-    <cs:fontRef idx="minor">
-      <a:schemeClr val="tx2"/>
-    </cs:fontRef>
-    <cs:spPr>
-      <a:ln>
-        <a:solidFill>
-          <a:schemeClr val="tx2">
-            <a:lumMod val="5000"/>
-            <a:lumOff val="95000"/>
-          </a:schemeClr>
-        </a:solidFill>
-      </a:ln>
-    </cs:spPr>
-  </cs:gridlineMinor>
-  <cs:hiLoLine>
-    <cs:lnRef idx="0"/>
-    <cs:fillRef idx="0"/>
-    <cs:effectRef idx="0"/>
-    <cs:fontRef idx="minor">
-      <a:schemeClr val="tx2"/>
-    </cs:fontRef>
-    <cs:spPr>
-      <a:ln w="9525">
-        <a:solidFill>
-          <a:schemeClr val="tx2">
-            <a:lumMod val="60000"/>
-            <a:lumOff val="40000"/>
-          </a:schemeClr>
-        </a:solidFill>
-        <a:prstDash val="dash"/>
-      </a:ln>
-    </cs:spPr>
-  </cs:hiLoLine>
-  <cs:leaderLine>
-    <cs:lnRef idx="0"/>
-    <cs:fillRef idx="0"/>
-    <cs:effectRef idx="0"/>
-    <cs:fontRef idx="minor">
-      <a:schemeClr val="tx2"/>
-    </cs:fontRef>
-    <cs:spPr>
-      <a:ln w="9525">
-        <a:solidFill>
-          <a:schemeClr val="tx2">
-            <a:lumMod val="35000"/>
-            <a:lumOff val="65000"/>
-          </a:schemeClr>
-        </a:solidFill>
-      </a:ln>
-    </cs:spPr>
-  </cs:leaderLine>
-  <cs:legend>
-    <cs:lnRef idx="0"/>
-    <cs:fillRef idx="0"/>
-    <cs:effectRef idx="0"/>
-    <cs:fontRef idx="minor">
-      <a:schemeClr val="tx2"/>
-    </cs:fontRef>
-    <cs:defRPr sz="900" kern="1200"/>
-  </cs:legend>
-  <cs:plotArea>
-    <cs:lnRef idx="0"/>
-    <cs:fillRef idx="0"/>
-    <cs:effectRef idx="0"/>
-    <cs:fontRef idx="minor">
-      <a:schemeClr val="tx2"/>
-    </cs:fontRef>
-  </cs:plotArea>
-  <cs:plotArea3D>
-    <cs:lnRef idx="0"/>
-    <cs:fillRef idx="0"/>
-    <cs:effectRef idx="0"/>
-    <cs:fontRef idx="minor">
-      <a:schemeClr val="tx2"/>
-    </cs:fontRef>
-  </cs:plotArea3D>
-  <cs:seriesAxis>
-    <cs:lnRef idx="0"/>
-    <cs:fillRef idx="0"/>
-    <cs:effectRef idx="0"/>
-    <cs:fontRef idx="minor">
-      <a:schemeClr val="tx2"/>
-    </cs:fontRef>
-    <cs:spPr>
-      <a:ln w="9525" cap="flat" cmpd="sng" algn="ctr">
-        <a:solidFill>
-          <a:schemeClr val="tx2">
-            <a:lumMod val="15000"/>
-            <a:lumOff val="85000"/>
-          </a:schemeClr>
-        </a:solidFill>
-        <a:round/>
-      </a:ln>
-    </cs:spPr>
-    <cs:defRPr sz="900" kern="1200"/>
-  </cs:seriesAxis>
-  <cs:seriesLine>
-    <cs:lnRef idx="0"/>
-    <cs:fillRef idx="0"/>
-    <cs:effectRef idx="0"/>
-    <cs:fontRef idx="minor">
-      <a:schemeClr val="tx2"/>
-    </cs:fontRef>
-    <cs:spPr>
-      <a:ln w="9525">
-        <a:solidFill>
-          <a:schemeClr val="tx2">
-            <a:lumMod val="60000"/>
-            <a:lumOff val="40000"/>
-          </a:schemeClr>
-        </a:solidFill>
-        <a:prstDash val="dash"/>
-      </a:ln>
-    </cs:spPr>
-  </cs:seriesLine>
-  <cs:title>
-    <cs:lnRef idx="0"/>
-    <cs:fillRef idx="0"/>
-    <cs:effectRef idx="0"/>
-    <cs:fontRef idx="minor">
-      <a:schemeClr val="tx2"/>
-    </cs:fontRef>
-    <cs:defRPr sz="1600" b="1" kern="1200"/>
-  </cs:title>
-  <cs:trendline>
-    <cs:lnRef idx="0">
-      <cs:styleClr val="auto"/>
-    </cs:lnRef>
-    <cs:fillRef idx="0"/>
-    <cs:effectRef idx="0"/>
-    <cs:fontRef idx="minor">
-      <a:schemeClr val="tx2"/>
-    </cs:fontRef>
-    <cs:spPr>
-      <a:ln w="19050" cap="rnd">
-        <a:solidFill>
-          <a:schemeClr val="phClr"/>
-        </a:solidFill>
-        <a:prstDash val="sysDash"/>
-      </a:ln>
-    </cs:spPr>
-  </cs:trendline>
-  <cs:trendlineLabel>
-    <cs:lnRef idx="0"/>
-    <cs:fillRef idx="0"/>
-    <cs:effectRef idx="0"/>
-    <cs:fontRef idx="minor">
-      <a:schemeClr val="tx2"/>
-    </cs:fontRef>
-    <cs:defRPr sz="900" kern="1200"/>
-  </cs:trendlineLabel>
-  <cs:upBar>
-    <cs:lnRef idx="0"/>
-    <cs:fillRef idx="0"/>
-    <cs:effectRef idx="0"/>
-    <cs:fontRef idx="minor">
-      <a:schemeClr val="tx2"/>
-    </cs:fontRef>
-    <cs:spPr>
-      <a:solidFill>
-        <a:schemeClr val="lt1"/>
-      </a:solidFill>
-      <a:ln w="9525">
-        <a:solidFill>
-          <a:schemeClr val="tx1">
-            <a:lumMod val="15000"/>
-            <a:lumOff val="85000"/>
-          </a:schemeClr>
-        </a:solidFill>
-      </a:ln>
-    </cs:spPr>
-  </cs:upBar>
-  <cs:valueAxis>
-    <cs:lnRef idx="0"/>
-    <cs:fillRef idx="0"/>
-    <cs:effectRef idx="0"/>
-    <cs:fontRef idx="minor">
-      <a:schemeClr val="tx2"/>
-    </cs:fontRef>
-    <cs:defRPr sz="900" kern="1200"/>
-  </cs:valueAxis>
-  <cs:wall>
-    <cs:lnRef idx="0"/>
-    <cs:fillRef idx="0"/>
-    <cs:effectRef idx="0"/>
-    <cs:fontRef idx="minor">
-      <a:schemeClr val="tx2"/>
-    </cs:fontRef>
-  </cs:wall>
-</cs:chartStyle>
 </file>
 
 <file path=ppt/notesMasters/notesMaster1.xml><?xml version="1.0" encoding="utf-8"?>
@@ -8225,97 +7350,68 @@
           </p:txBody>
         </p:sp>
       </p:grpSp>
-      <p:grpSp>
-        <p:nvGrpSpPr>
-          <p:cNvPr id="8" name="Group 7">
+      <p:sp>
+        <p:nvSpPr>
+          <p:cNvPr id="7" name="TextBox 6">
             <a:extLst>
               <a:ext uri="{FF2B5EF4-FFF2-40B4-BE49-F238E27FC236}">
-                <a16:creationId xmlns:a16="http://schemas.microsoft.com/office/drawing/2014/main" id="{79A5DAC6-B913-A65D-57A8-E652CCA03634}"/>
+                <a16:creationId xmlns:a16="http://schemas.microsoft.com/office/drawing/2014/main" id="{D48C4CF9-2972-F16E-C45B-70584CA0BE7D}"/>
               </a:ext>
             </a:extLst>
           </p:cNvPr>
-          <p:cNvGrpSpPr>
-            <a:grpSpLocks noGrp="1" noUngrp="1" noRot="1" noMove="1" noResize="1"/>
-          </p:cNvGrpSpPr>
+          <p:cNvSpPr txBox="1">
+            <a:spLocks noGrp="1" noRot="1" noMove="1" noResize="1" noEditPoints="1" noAdjustHandles="1" noChangeArrowheads="1" noChangeShapeType="1"/>
+          </p:cNvSpPr>
           <p:nvPr/>
-        </p:nvGrpSpPr>
-        <p:grpSpPr>
+        </p:nvSpPr>
+        <p:spPr>
           <a:xfrm>
-            <a:off x="1948245" y="270342"/>
-            <a:ext cx="6794311" cy="4503351"/>
-            <a:chOff x="1948245" y="270342"/>
-            <a:chExt cx="6794311" cy="4503351"/>
+            <a:off x="5035111" y="3842538"/>
+            <a:ext cx="914400" cy="307777"/>
           </a:xfrm>
-        </p:grpSpPr>
-        <p:graphicFrame>
-          <p:nvGraphicFramePr>
-            <p:cNvPr id="6" name="Chart 5">
-              <a:extLst>
-                <a:ext uri="{FF2B5EF4-FFF2-40B4-BE49-F238E27FC236}">
-                  <a16:creationId xmlns:a16="http://schemas.microsoft.com/office/drawing/2014/main" id="{6DD60C61-8079-642E-649B-F14236F47051}"/>
-                </a:ext>
-              </a:extLst>
-            </p:cNvPr>
-            <p:cNvGraphicFramePr>
-              <a:graphicFrameLocks noGrp="1" noDrilldown="1" noMove="1" noResize="1"/>
-            </p:cNvGraphicFramePr>
-            <p:nvPr>
-              <p:extLst>
-                <p:ext uri="{D42A27DB-BD31-4B8C-83A1-F6EECF244321}">
-                  <p14:modId xmlns:p14="http://schemas.microsoft.com/office/powerpoint/2010/main" val="3932287430"/>
-                </p:ext>
-              </p:extLst>
-            </p:nvPr>
-          </p:nvGraphicFramePr>
-          <p:xfrm>
-            <a:off x="1948245" y="270342"/>
-            <a:ext cx="6794311" cy="4200294"/>
-          </p:xfrm>
-          <a:graphic>
-            <a:graphicData uri="http://schemas.openxmlformats.org/drawingml/2006/chart">
-              <c:chart xmlns:c="http://schemas.openxmlformats.org/drawingml/2006/chart" xmlns:r="http://schemas.openxmlformats.org/officeDocument/2006/relationships" r:id="rId3"/>
-            </a:graphicData>
-          </a:graphic>
-        </p:graphicFrame>
-        <p:sp>
-          <p:nvSpPr>
-            <p:cNvPr id="7" name="TextBox 6">
-              <a:extLst>
-                <a:ext uri="{FF2B5EF4-FFF2-40B4-BE49-F238E27FC236}">
-                  <a16:creationId xmlns:a16="http://schemas.microsoft.com/office/drawing/2014/main" id="{D48C4CF9-2972-F16E-C45B-70584CA0BE7D}"/>
-                </a:ext>
-              </a:extLst>
-            </p:cNvPr>
-            <p:cNvSpPr txBox="1">
-              <a:spLocks noGrp="1" noRot="1" noMove="1" noResize="1" noEditPoints="1" noAdjustHandles="1" noChangeArrowheads="1" noChangeShapeType="1"/>
-            </p:cNvSpPr>
-            <p:nvPr/>
-          </p:nvSpPr>
-          <p:spPr>
-            <a:xfrm>
-              <a:off x="5035111" y="4465916"/>
-              <a:ext cx="914400" cy="307777"/>
-            </a:xfrm>
-            <a:prstGeom prst="rect">
-              <a:avLst/>
-            </a:prstGeom>
-            <a:noFill/>
-          </p:spPr>
-          <p:txBody>
-            <a:bodyPr wrap="square" rtlCol="0">
-              <a:spAutoFit/>
-            </a:bodyPr>
-            <a:lstStyle/>
-            <a:p>
-              <a:r>
-                <a:rPr lang="en-US" dirty="0"/>
-                <a:t>Graph 1.</a:t>
-              </a:r>
-              <a:endParaRPr lang="en-GB" dirty="0"/>
-            </a:p>
-          </p:txBody>
-        </p:sp>
-      </p:grpSp>
+          <a:prstGeom prst="rect">
+            <a:avLst/>
+          </a:prstGeom>
+          <a:noFill/>
+        </p:spPr>
+        <p:txBody>
+          <a:bodyPr wrap="square" rtlCol="0">
+            <a:spAutoFit/>
+          </a:bodyPr>
+          <a:lstStyle/>
+          <a:p>
+            <a:r>
+              <a:rPr lang="en-US" dirty="0">
+                <a:ln w="0"/>
+                <a:solidFill>
+                  <a:schemeClr val="tx1"/>
+                </a:solidFill>
+                <a:effectLst>
+                  <a:outerShdw blurRad="38100" dist="19050" dir="2700000" algn="tl" rotWithShape="0">
+                    <a:schemeClr val="dk1">
+                      <a:alpha val="40000"/>
+                    </a:schemeClr>
+                  </a:outerShdw>
+                </a:effectLst>
+              </a:rPr>
+              <a:t>Table 1.</a:t>
+            </a:r>
+            <a:endParaRPr lang="en-GB" dirty="0">
+              <a:ln w="0"/>
+              <a:solidFill>
+                <a:schemeClr val="tx1"/>
+              </a:solidFill>
+              <a:effectLst>
+                <a:outerShdw blurRad="38100" dist="19050" dir="2700000" algn="tl" rotWithShape="0">
+                  <a:schemeClr val="dk1">
+                    <a:alpha val="40000"/>
+                  </a:schemeClr>
+                </a:outerShdw>
+              </a:effectLst>
+            </a:endParaRPr>
+          </a:p>
+        </p:txBody>
+      </p:sp>
       <p:grpSp>
         <p:nvGrpSpPr>
           <p:cNvPr id="9" name="Google Shape;1123;p49">
@@ -9015,6 +8111,2252 @@
           </p:txBody>
         </p:sp>
       </p:grpSp>
+      <p:graphicFrame>
+        <p:nvGraphicFramePr>
+          <p:cNvPr id="16" name="Table 15">
+            <a:extLst>
+              <a:ext uri="{FF2B5EF4-FFF2-40B4-BE49-F238E27FC236}">
+                <a16:creationId xmlns:a16="http://schemas.microsoft.com/office/drawing/2014/main" id="{56C163E5-883E-703C-9423-9E124C7EC187}"/>
+              </a:ext>
+            </a:extLst>
+          </p:cNvPr>
+          <p:cNvGraphicFramePr>
+            <a:graphicFrameLocks noGrp="1" noDrilldown="1" noMove="1" noResize="1"/>
+          </p:cNvGraphicFramePr>
+          <p:nvPr>
+            <p:extLst>
+              <p:ext uri="{D42A27DB-BD31-4B8C-83A1-F6EECF244321}">
+                <p14:modId xmlns:p14="http://schemas.microsoft.com/office/powerpoint/2010/main" val="998644150"/>
+              </p:ext>
+            </p:extLst>
+          </p:nvPr>
+        </p:nvGraphicFramePr>
+        <p:xfrm>
+          <a:off x="2918762" y="706067"/>
+          <a:ext cx="5168900" cy="3074235"/>
+        </p:xfrm>
+        <a:graphic>
+          <a:graphicData uri="http://schemas.openxmlformats.org/drawingml/2006/table">
+            <a:tbl>
+              <a:tblPr>
+                <a:effectLst>
+                  <a:outerShdw blurRad="63500" sx="102000" sy="102000" algn="ctr" rotWithShape="0">
+                    <a:prstClr val="black">
+                      <a:alpha val="40000"/>
+                    </a:prstClr>
+                  </a:outerShdw>
+                </a:effectLst>
+                <a:tableStyleId>{3C2FFA5D-87B4-456A-9821-1D502468CF0F}</a:tableStyleId>
+              </a:tblPr>
+              <a:tblGrid>
+                <a:gridCol w="2428760">
+                  <a:extLst>
+                    <a:ext uri="{9D8B030D-6E8A-4147-A177-3AD203B41FA5}">
+                      <a16:colId xmlns:a16="http://schemas.microsoft.com/office/drawing/2014/main" val="2334290433"/>
+                    </a:ext>
+                  </a:extLst>
+                </a:gridCol>
+                <a:gridCol w="2740140">
+                  <a:extLst>
+                    <a:ext uri="{9D8B030D-6E8A-4147-A177-3AD203B41FA5}">
+                      <a16:colId xmlns:a16="http://schemas.microsoft.com/office/drawing/2014/main" val="1500735630"/>
+                    </a:ext>
+                  </a:extLst>
+                </a:gridCol>
+              </a:tblGrid>
+              <a:tr h="366182">
+                <a:tc>
+                  <a:txBody>
+                    <a:bodyPr/>
+                    <a:lstStyle/>
+                    <a:p>
+                      <a:pPr algn="ctr" fontAlgn="ctr"/>
+                      <a:r>
+                        <a:rPr lang="en-GB" sz="1500" b="1" u="none" strike="noStrike" dirty="0">
+                          <a:ln>
+                            <a:solidFill>
+                              <a:schemeClr val="tx1"/>
+                            </a:solidFill>
+                          </a:ln>
+                          <a:solidFill>
+                            <a:schemeClr val="bg1"/>
+                          </a:solidFill>
+                          <a:effectLst>
+                            <a:outerShdw blurRad="50800" dist="38100" dir="2700000" algn="tl" rotWithShape="0">
+                              <a:prstClr val="black">
+                                <a:alpha val="40000"/>
+                              </a:prstClr>
+                            </a:outerShdw>
+                          </a:effectLst>
+                        </a:rPr>
+                        <a:t>App</a:t>
+                      </a:r>
+                      <a:endParaRPr lang="en-GB" sz="1500" b="1" i="0" u="none" strike="noStrike" dirty="0">
+                        <a:ln>
+                          <a:solidFill>
+                            <a:schemeClr val="tx1"/>
+                          </a:solidFill>
+                        </a:ln>
+                        <a:solidFill>
+                          <a:schemeClr val="bg1"/>
+                        </a:solidFill>
+                        <a:effectLst>
+                          <a:outerShdw blurRad="50800" dist="38100" dir="2700000" algn="tl" rotWithShape="0">
+                            <a:prstClr val="black">
+                              <a:alpha val="40000"/>
+                            </a:prstClr>
+                          </a:outerShdw>
+                        </a:effectLst>
+                        <a:latin typeface="Calibri" panose="020F0502020204030204" pitchFamily="34" charset="0"/>
+                      </a:endParaRPr>
+                    </a:p>
+                  </a:txBody>
+                  <a:tcPr marL="7473" marR="7473" marT="7473" marB="0" anchor="ctr">
+                    <a:lnL w="12700" cap="flat" cmpd="sng" algn="ctr">
+                      <a:solidFill>
+                        <a:schemeClr val="tx1"/>
+                      </a:solidFill>
+                      <a:prstDash val="solid"/>
+                      <a:round/>
+                      <a:headEnd type="none" w="med" len="med"/>
+                      <a:tailEnd type="none" w="med" len="med"/>
+                    </a:lnL>
+                    <a:lnR w="12700" cap="flat" cmpd="sng" algn="ctr">
+                      <a:solidFill>
+                        <a:schemeClr val="tx1"/>
+                      </a:solidFill>
+                      <a:prstDash val="solid"/>
+                      <a:round/>
+                      <a:headEnd type="none" w="med" len="med"/>
+                      <a:tailEnd type="none" w="med" len="med"/>
+                    </a:lnR>
+                    <a:lnT w="12700" cap="flat" cmpd="sng" algn="ctr">
+                      <a:solidFill>
+                        <a:schemeClr val="tx1"/>
+                      </a:solidFill>
+                      <a:prstDash val="solid"/>
+                      <a:round/>
+                      <a:headEnd type="none" w="med" len="med"/>
+                      <a:tailEnd type="none" w="med" len="med"/>
+                    </a:lnT>
+                    <a:lnB w="12700" cap="flat" cmpd="sng" algn="ctr">
+                      <a:solidFill>
+                        <a:schemeClr val="tx1"/>
+                      </a:solidFill>
+                      <a:prstDash val="solid"/>
+                      <a:round/>
+                      <a:headEnd type="none" w="med" len="med"/>
+                      <a:tailEnd type="none" w="med" len="med"/>
+                    </a:lnB>
+                    <a:lnTlToBr w="12700" cmpd="sng">
+                      <a:noFill/>
+                      <a:prstDash val="solid"/>
+                    </a:lnTlToBr>
+                    <a:lnBlToTr w="12700" cmpd="sng">
+                      <a:noFill/>
+                      <a:prstDash val="solid"/>
+                    </a:lnBlToTr>
+                    <a:solidFill>
+                      <a:schemeClr val="accent1"/>
+                    </a:solidFill>
+                  </a:tcPr>
+                </a:tc>
+                <a:tc>
+                  <a:txBody>
+                    <a:bodyPr/>
+                    <a:lstStyle/>
+                    <a:p>
+                      <a:pPr algn="ctr" fontAlgn="ctr"/>
+                      <a:r>
+                        <a:rPr lang="en-US" sz="1500" b="1" u="none" strike="noStrike" dirty="0">
+                          <a:ln>
+                            <a:solidFill>
+                              <a:schemeClr val="tx1"/>
+                            </a:solidFill>
+                          </a:ln>
+                          <a:solidFill>
+                            <a:schemeClr val="bg1"/>
+                          </a:solidFill>
+                          <a:effectLst>
+                            <a:outerShdw blurRad="50800" dist="38100" dir="2700000" algn="tl" rotWithShape="0">
+                              <a:prstClr val="black">
+                                <a:alpha val="40000"/>
+                              </a:prstClr>
+                            </a:outerShdw>
+                          </a:effectLst>
+                        </a:rPr>
+                        <a:t>Monthly unique users in millions</a:t>
+                      </a:r>
+                      <a:endParaRPr lang="en-US" sz="1500" b="1" i="0" u="none" strike="noStrike" dirty="0">
+                        <a:ln>
+                          <a:solidFill>
+                            <a:schemeClr val="tx1"/>
+                          </a:solidFill>
+                        </a:ln>
+                        <a:solidFill>
+                          <a:schemeClr val="bg1"/>
+                        </a:solidFill>
+                        <a:effectLst>
+                          <a:outerShdw blurRad="50800" dist="38100" dir="2700000" algn="tl" rotWithShape="0">
+                            <a:prstClr val="black">
+                              <a:alpha val="40000"/>
+                            </a:prstClr>
+                          </a:outerShdw>
+                        </a:effectLst>
+                        <a:latin typeface="Calibri" panose="020F0502020204030204" pitchFamily="34" charset="0"/>
+                      </a:endParaRPr>
+                    </a:p>
+                  </a:txBody>
+                  <a:tcPr marL="7473" marR="7473" marT="7473" marB="0" anchor="ctr">
+                    <a:lnL w="12700" cap="flat" cmpd="sng" algn="ctr">
+                      <a:solidFill>
+                        <a:schemeClr val="tx1"/>
+                      </a:solidFill>
+                      <a:prstDash val="solid"/>
+                      <a:round/>
+                      <a:headEnd type="none" w="med" len="med"/>
+                      <a:tailEnd type="none" w="med" len="med"/>
+                    </a:lnL>
+                    <a:lnR w="12700" cap="flat" cmpd="sng" algn="ctr">
+                      <a:solidFill>
+                        <a:schemeClr val="tx1"/>
+                      </a:solidFill>
+                      <a:prstDash val="solid"/>
+                      <a:round/>
+                      <a:headEnd type="none" w="med" len="med"/>
+                      <a:tailEnd type="none" w="med" len="med"/>
+                    </a:lnR>
+                    <a:lnT w="12700" cap="flat" cmpd="sng" algn="ctr">
+                      <a:solidFill>
+                        <a:schemeClr val="tx1"/>
+                      </a:solidFill>
+                      <a:prstDash val="solid"/>
+                      <a:round/>
+                      <a:headEnd type="none" w="med" len="med"/>
+                      <a:tailEnd type="none" w="med" len="med"/>
+                    </a:lnT>
+                    <a:lnB w="12700" cap="flat" cmpd="sng" algn="ctr">
+                      <a:solidFill>
+                        <a:schemeClr val="tx1"/>
+                      </a:solidFill>
+                      <a:prstDash val="solid"/>
+                      <a:round/>
+                      <a:headEnd type="none" w="med" len="med"/>
+                      <a:tailEnd type="none" w="med" len="med"/>
+                    </a:lnB>
+                    <a:lnTlToBr w="12700" cmpd="sng">
+                      <a:noFill/>
+                      <a:prstDash val="solid"/>
+                    </a:lnTlToBr>
+                    <a:lnBlToTr w="12700" cmpd="sng">
+                      <a:noFill/>
+                      <a:prstDash val="solid"/>
+                    </a:lnBlToTr>
+                    <a:solidFill>
+                      <a:schemeClr val="accent1"/>
+                    </a:solidFill>
+                  </a:tcPr>
+                </a:tc>
+                <a:extLst>
+                  <a:ext uri="{0D108BD9-81ED-4DB2-BD59-A6C34878D82A}">
+                    <a16:rowId xmlns:a16="http://schemas.microsoft.com/office/drawing/2014/main" val="800485121"/>
+                  </a:ext>
+                </a:extLst>
+              </a:tr>
+              <a:tr h="248481">
+                <a:tc>
+                  <a:txBody>
+                    <a:bodyPr/>
+                    <a:lstStyle/>
+                    <a:p>
+                      <a:pPr algn="l" fontAlgn="ctr"/>
+                      <a:r>
+                        <a:rPr lang="en-GB" sz="1200" b="0" u="none" strike="noStrike">
+                          <a:ln>
+                            <a:solidFill>
+                              <a:schemeClr val="tx1"/>
+                            </a:solidFill>
+                          </a:ln>
+                          <a:solidFill>
+                            <a:srgbClr val="000000"/>
+                          </a:solidFill>
+                          <a:effectLst>
+                            <a:outerShdw blurRad="50800" dist="38100" dir="2700000" algn="tl" rotWithShape="0">
+                              <a:prstClr val="black">
+                                <a:alpha val="40000"/>
+                              </a:prstClr>
+                            </a:outerShdw>
+                          </a:effectLst>
+                        </a:rPr>
+                        <a:t>Sleep Cycle alarm clock</a:t>
+                      </a:r>
+                      <a:endParaRPr lang="en-GB" sz="1200" b="0" i="0" u="none" strike="noStrike">
+                        <a:ln>
+                          <a:solidFill>
+                            <a:schemeClr val="tx1"/>
+                          </a:solidFill>
+                        </a:ln>
+                        <a:solidFill>
+                          <a:srgbClr val="000000"/>
+                        </a:solidFill>
+                        <a:effectLst>
+                          <a:outerShdw blurRad="50800" dist="38100" dir="2700000" algn="tl" rotWithShape="0">
+                            <a:prstClr val="black">
+                              <a:alpha val="40000"/>
+                            </a:prstClr>
+                          </a:outerShdw>
+                        </a:effectLst>
+                        <a:latin typeface="Calibri" panose="020F0502020204030204" pitchFamily="34" charset="0"/>
+                      </a:endParaRPr>
+                    </a:p>
+                  </a:txBody>
+                  <a:tcPr marL="7473" marR="7473" marT="7473" marB="0" anchor="ctr">
+                    <a:lnL w="12700" cap="flat" cmpd="sng" algn="ctr">
+                      <a:solidFill>
+                        <a:schemeClr val="tx1"/>
+                      </a:solidFill>
+                      <a:prstDash val="solid"/>
+                      <a:round/>
+                      <a:headEnd type="none" w="med" len="med"/>
+                      <a:tailEnd type="none" w="med" len="med"/>
+                    </a:lnL>
+                    <a:lnR w="12700" cap="flat" cmpd="sng" algn="ctr">
+                      <a:solidFill>
+                        <a:schemeClr val="tx1"/>
+                      </a:solidFill>
+                      <a:prstDash val="solid"/>
+                      <a:round/>
+                      <a:headEnd type="none" w="med" len="med"/>
+                      <a:tailEnd type="none" w="med" len="med"/>
+                    </a:lnR>
+                    <a:lnT w="12700" cap="flat" cmpd="sng" algn="ctr">
+                      <a:solidFill>
+                        <a:schemeClr val="tx1"/>
+                      </a:solidFill>
+                      <a:prstDash val="solid"/>
+                      <a:round/>
+                      <a:headEnd type="none" w="med" len="med"/>
+                      <a:tailEnd type="none" w="med" len="med"/>
+                    </a:lnT>
+                    <a:lnB w="12700" cap="flat" cmpd="sng" algn="ctr">
+                      <a:solidFill>
+                        <a:schemeClr val="tx1"/>
+                      </a:solidFill>
+                      <a:prstDash val="solid"/>
+                      <a:round/>
+                      <a:headEnd type="none" w="med" len="med"/>
+                      <a:tailEnd type="none" w="med" len="med"/>
+                    </a:lnB>
+                    <a:lnTlToBr w="12700" cmpd="sng">
+                      <a:noFill/>
+                      <a:prstDash val="solid"/>
+                    </a:lnTlToBr>
+                    <a:lnBlToTr w="12700" cmpd="sng">
+                      <a:noFill/>
+                      <a:prstDash val="solid"/>
+                    </a:lnBlToTr>
+                    <a:solidFill>
+                      <a:schemeClr val="bg2"/>
+                    </a:solidFill>
+                  </a:tcPr>
+                </a:tc>
+                <a:tc>
+                  <a:txBody>
+                    <a:bodyPr/>
+                    <a:lstStyle/>
+                    <a:p>
+                      <a:pPr algn="ctr" fontAlgn="ctr"/>
+                      <a:r>
+                        <a:rPr lang="en-GB" sz="1400" b="0" u="none" strike="noStrike">
+                          <a:ln>
+                            <a:solidFill>
+                              <a:schemeClr val="tx1"/>
+                            </a:solidFill>
+                          </a:ln>
+                          <a:solidFill>
+                            <a:srgbClr val="000000"/>
+                          </a:solidFill>
+                          <a:effectLst>
+                            <a:outerShdw blurRad="50800" dist="38100" dir="2700000" algn="tl" rotWithShape="0">
+                              <a:prstClr val="black">
+                                <a:alpha val="40000"/>
+                              </a:prstClr>
+                            </a:outerShdw>
+                          </a:effectLst>
+                        </a:rPr>
+                        <a:t>1.4</a:t>
+                      </a:r>
+                      <a:endParaRPr lang="en-GB" sz="1400" b="0" i="0" u="none" strike="noStrike">
+                        <a:ln>
+                          <a:solidFill>
+                            <a:schemeClr val="tx1"/>
+                          </a:solidFill>
+                        </a:ln>
+                        <a:solidFill>
+                          <a:srgbClr val="000000"/>
+                        </a:solidFill>
+                        <a:effectLst>
+                          <a:outerShdw blurRad="50800" dist="38100" dir="2700000" algn="tl" rotWithShape="0">
+                            <a:prstClr val="black">
+                              <a:alpha val="40000"/>
+                            </a:prstClr>
+                          </a:outerShdw>
+                        </a:effectLst>
+                        <a:latin typeface="Calibri" panose="020F0502020204030204" pitchFamily="34" charset="0"/>
+                      </a:endParaRPr>
+                    </a:p>
+                  </a:txBody>
+                  <a:tcPr marL="7473" marR="7473" marT="7473" marB="0" anchor="ctr">
+                    <a:lnL w="12700" cap="flat" cmpd="sng" algn="ctr">
+                      <a:solidFill>
+                        <a:schemeClr val="tx1"/>
+                      </a:solidFill>
+                      <a:prstDash val="solid"/>
+                      <a:round/>
+                      <a:headEnd type="none" w="med" len="med"/>
+                      <a:tailEnd type="none" w="med" len="med"/>
+                    </a:lnL>
+                    <a:lnR w="12700" cap="flat" cmpd="sng" algn="ctr">
+                      <a:solidFill>
+                        <a:schemeClr val="tx1"/>
+                      </a:solidFill>
+                      <a:prstDash val="solid"/>
+                      <a:round/>
+                      <a:headEnd type="none" w="med" len="med"/>
+                      <a:tailEnd type="none" w="med" len="med"/>
+                    </a:lnR>
+                    <a:lnT w="12700" cap="flat" cmpd="sng" algn="ctr">
+                      <a:solidFill>
+                        <a:schemeClr val="tx1"/>
+                      </a:solidFill>
+                      <a:prstDash val="solid"/>
+                      <a:round/>
+                      <a:headEnd type="none" w="med" len="med"/>
+                      <a:tailEnd type="none" w="med" len="med"/>
+                    </a:lnT>
+                    <a:lnB w="12700" cap="flat" cmpd="sng" algn="ctr">
+                      <a:solidFill>
+                        <a:schemeClr val="tx1"/>
+                      </a:solidFill>
+                      <a:prstDash val="solid"/>
+                      <a:round/>
+                      <a:headEnd type="none" w="med" len="med"/>
+                      <a:tailEnd type="none" w="med" len="med"/>
+                    </a:lnB>
+                    <a:lnTlToBr w="12700" cmpd="sng">
+                      <a:noFill/>
+                      <a:prstDash val="solid"/>
+                    </a:lnTlToBr>
+                    <a:lnBlToTr w="12700" cmpd="sng">
+                      <a:noFill/>
+                      <a:prstDash val="solid"/>
+                    </a:lnBlToTr>
+                    <a:solidFill>
+                      <a:schemeClr val="bg2"/>
+                    </a:solidFill>
+                  </a:tcPr>
+                </a:tc>
+                <a:extLst>
+                  <a:ext uri="{0D108BD9-81ED-4DB2-BD59-A6C34878D82A}">
+                    <a16:rowId xmlns:a16="http://schemas.microsoft.com/office/drawing/2014/main" val="1738568288"/>
+                  </a:ext>
+                </a:extLst>
+              </a:tr>
+              <a:tr h="248481">
+                <a:tc>
+                  <a:txBody>
+                    <a:bodyPr/>
+                    <a:lstStyle/>
+                    <a:p>
+                      <a:pPr algn="l" fontAlgn="ctr"/>
+                      <a:r>
+                        <a:rPr lang="en-GB" sz="1200" b="0" u="none" strike="noStrike">
+                          <a:ln>
+                            <a:solidFill>
+                              <a:schemeClr val="tx1"/>
+                            </a:solidFill>
+                          </a:ln>
+                          <a:solidFill>
+                            <a:srgbClr val="000000"/>
+                          </a:solidFill>
+                          <a:effectLst>
+                            <a:outerShdw blurRad="50800" dist="38100" dir="2700000" algn="tl" rotWithShape="0">
+                              <a:prstClr val="black">
+                                <a:alpha val="40000"/>
+                              </a:prstClr>
+                            </a:outerShdw>
+                          </a:effectLst>
+                        </a:rPr>
+                        <a:t>Nike+ Running</a:t>
+                      </a:r>
+                      <a:endParaRPr lang="en-GB" sz="1200" b="0" i="0" u="none" strike="noStrike">
+                        <a:ln>
+                          <a:solidFill>
+                            <a:schemeClr val="tx1"/>
+                          </a:solidFill>
+                        </a:ln>
+                        <a:solidFill>
+                          <a:srgbClr val="000000"/>
+                        </a:solidFill>
+                        <a:effectLst>
+                          <a:outerShdw blurRad="50800" dist="38100" dir="2700000" algn="tl" rotWithShape="0">
+                            <a:prstClr val="black">
+                              <a:alpha val="40000"/>
+                            </a:prstClr>
+                          </a:outerShdw>
+                        </a:effectLst>
+                        <a:latin typeface="Calibri" panose="020F0502020204030204" pitchFamily="34" charset="0"/>
+                      </a:endParaRPr>
+                    </a:p>
+                  </a:txBody>
+                  <a:tcPr marL="7473" marR="7473" marT="7473" marB="0" anchor="ctr">
+                    <a:lnL w="12700" cap="flat" cmpd="sng" algn="ctr">
+                      <a:solidFill>
+                        <a:schemeClr val="tx1"/>
+                      </a:solidFill>
+                      <a:prstDash val="solid"/>
+                      <a:round/>
+                      <a:headEnd type="none" w="med" len="med"/>
+                      <a:tailEnd type="none" w="med" len="med"/>
+                    </a:lnL>
+                    <a:lnR w="12700" cap="flat" cmpd="sng" algn="ctr">
+                      <a:solidFill>
+                        <a:schemeClr val="tx1"/>
+                      </a:solidFill>
+                      <a:prstDash val="solid"/>
+                      <a:round/>
+                      <a:headEnd type="none" w="med" len="med"/>
+                      <a:tailEnd type="none" w="med" len="med"/>
+                    </a:lnR>
+                    <a:lnT w="12700" cap="flat" cmpd="sng" algn="ctr">
+                      <a:solidFill>
+                        <a:schemeClr val="tx1"/>
+                      </a:solidFill>
+                      <a:prstDash val="solid"/>
+                      <a:round/>
+                      <a:headEnd type="none" w="med" len="med"/>
+                      <a:tailEnd type="none" w="med" len="med"/>
+                    </a:lnT>
+                    <a:lnB w="12700" cap="flat" cmpd="sng" algn="ctr">
+                      <a:solidFill>
+                        <a:schemeClr val="tx1"/>
+                      </a:solidFill>
+                      <a:prstDash val="solid"/>
+                      <a:round/>
+                      <a:headEnd type="none" w="med" len="med"/>
+                      <a:tailEnd type="none" w="med" len="med"/>
+                    </a:lnB>
+                    <a:lnTlToBr w="12700" cmpd="sng">
+                      <a:noFill/>
+                      <a:prstDash val="solid"/>
+                    </a:lnTlToBr>
+                    <a:lnBlToTr w="12700" cmpd="sng">
+                      <a:noFill/>
+                      <a:prstDash val="solid"/>
+                    </a:lnBlToTr>
+                    <a:solidFill>
+                      <a:schemeClr val="bg2"/>
+                    </a:solidFill>
+                  </a:tcPr>
+                </a:tc>
+                <a:tc>
+                  <a:txBody>
+                    <a:bodyPr/>
+                    <a:lstStyle/>
+                    <a:p>
+                      <a:pPr algn="ctr" fontAlgn="ctr"/>
+                      <a:r>
+                        <a:rPr lang="en-GB" sz="1400" b="0" u="none" strike="noStrike">
+                          <a:ln>
+                            <a:solidFill>
+                              <a:schemeClr val="tx1"/>
+                            </a:solidFill>
+                          </a:ln>
+                          <a:solidFill>
+                            <a:srgbClr val="000000"/>
+                          </a:solidFill>
+                          <a:effectLst>
+                            <a:outerShdw blurRad="50800" dist="38100" dir="2700000" algn="tl" rotWithShape="0">
+                              <a:prstClr val="black">
+                                <a:alpha val="40000"/>
+                              </a:prstClr>
+                            </a:outerShdw>
+                          </a:effectLst>
+                        </a:rPr>
+                        <a:t>1.4</a:t>
+                      </a:r>
+                      <a:endParaRPr lang="en-GB" sz="1400" b="0" i="0" u="none" strike="noStrike">
+                        <a:ln>
+                          <a:solidFill>
+                            <a:schemeClr val="tx1"/>
+                          </a:solidFill>
+                        </a:ln>
+                        <a:solidFill>
+                          <a:srgbClr val="000000"/>
+                        </a:solidFill>
+                        <a:effectLst>
+                          <a:outerShdw blurRad="50800" dist="38100" dir="2700000" algn="tl" rotWithShape="0">
+                            <a:prstClr val="black">
+                              <a:alpha val="40000"/>
+                            </a:prstClr>
+                          </a:outerShdw>
+                        </a:effectLst>
+                        <a:latin typeface="Calibri" panose="020F0502020204030204" pitchFamily="34" charset="0"/>
+                      </a:endParaRPr>
+                    </a:p>
+                  </a:txBody>
+                  <a:tcPr marL="7473" marR="7473" marT="7473" marB="0" anchor="ctr">
+                    <a:lnL w="12700" cap="flat" cmpd="sng" algn="ctr">
+                      <a:solidFill>
+                        <a:schemeClr val="tx1"/>
+                      </a:solidFill>
+                      <a:prstDash val="solid"/>
+                      <a:round/>
+                      <a:headEnd type="none" w="med" len="med"/>
+                      <a:tailEnd type="none" w="med" len="med"/>
+                    </a:lnL>
+                    <a:lnR w="12700" cap="flat" cmpd="sng" algn="ctr">
+                      <a:solidFill>
+                        <a:schemeClr val="tx1"/>
+                      </a:solidFill>
+                      <a:prstDash val="solid"/>
+                      <a:round/>
+                      <a:headEnd type="none" w="med" len="med"/>
+                      <a:tailEnd type="none" w="med" len="med"/>
+                    </a:lnR>
+                    <a:lnT w="12700" cap="flat" cmpd="sng" algn="ctr">
+                      <a:solidFill>
+                        <a:schemeClr val="tx1"/>
+                      </a:solidFill>
+                      <a:prstDash val="solid"/>
+                      <a:round/>
+                      <a:headEnd type="none" w="med" len="med"/>
+                      <a:tailEnd type="none" w="med" len="med"/>
+                    </a:lnT>
+                    <a:lnB w="12700" cap="flat" cmpd="sng" algn="ctr">
+                      <a:solidFill>
+                        <a:schemeClr val="tx1"/>
+                      </a:solidFill>
+                      <a:prstDash val="solid"/>
+                      <a:round/>
+                      <a:headEnd type="none" w="med" len="med"/>
+                      <a:tailEnd type="none" w="med" len="med"/>
+                    </a:lnB>
+                    <a:lnTlToBr w="12700" cmpd="sng">
+                      <a:noFill/>
+                      <a:prstDash val="solid"/>
+                    </a:lnTlToBr>
+                    <a:lnBlToTr w="12700" cmpd="sng">
+                      <a:noFill/>
+                      <a:prstDash val="solid"/>
+                    </a:lnBlToTr>
+                    <a:solidFill>
+                      <a:schemeClr val="bg2"/>
+                    </a:solidFill>
+                  </a:tcPr>
+                </a:tc>
+                <a:extLst>
+                  <a:ext uri="{0D108BD9-81ED-4DB2-BD59-A6C34878D82A}">
+                    <a16:rowId xmlns:a16="http://schemas.microsoft.com/office/drawing/2014/main" val="1893609502"/>
+                  </a:ext>
+                </a:extLst>
+              </a:tr>
+              <a:tr h="248481">
+                <a:tc>
+                  <a:txBody>
+                    <a:bodyPr/>
+                    <a:lstStyle/>
+                    <a:p>
+                      <a:pPr algn="l" fontAlgn="ctr"/>
+                      <a:r>
+                        <a:rPr lang="en-US" sz="1200" b="0" u="none" strike="noStrike">
+                          <a:ln>
+                            <a:solidFill>
+                              <a:schemeClr val="tx1"/>
+                            </a:solidFill>
+                          </a:ln>
+                          <a:solidFill>
+                            <a:srgbClr val="000000"/>
+                          </a:solidFill>
+                          <a:effectLst>
+                            <a:outerShdw blurRad="50800" dist="38100" dir="2700000" algn="tl" rotWithShape="0">
+                              <a:prstClr val="black">
+                                <a:alpha val="40000"/>
+                              </a:prstClr>
+                            </a:outerShdw>
+                          </a:effectLst>
+                        </a:rPr>
+                        <a:t>Walk with Map My Walk GPS Walking</a:t>
+                      </a:r>
+                      <a:endParaRPr lang="en-US" sz="1200" b="0" i="0" u="none" strike="noStrike">
+                        <a:ln>
+                          <a:solidFill>
+                            <a:schemeClr val="tx1"/>
+                          </a:solidFill>
+                        </a:ln>
+                        <a:solidFill>
+                          <a:srgbClr val="000000"/>
+                        </a:solidFill>
+                        <a:effectLst>
+                          <a:outerShdw blurRad="50800" dist="38100" dir="2700000" algn="tl" rotWithShape="0">
+                            <a:prstClr val="black">
+                              <a:alpha val="40000"/>
+                            </a:prstClr>
+                          </a:outerShdw>
+                        </a:effectLst>
+                        <a:latin typeface="Calibri" panose="020F0502020204030204" pitchFamily="34" charset="0"/>
+                      </a:endParaRPr>
+                    </a:p>
+                  </a:txBody>
+                  <a:tcPr marL="7473" marR="7473" marT="7473" marB="0" anchor="ctr">
+                    <a:lnL w="12700" cap="flat" cmpd="sng" algn="ctr">
+                      <a:solidFill>
+                        <a:schemeClr val="tx1"/>
+                      </a:solidFill>
+                      <a:prstDash val="solid"/>
+                      <a:round/>
+                      <a:headEnd type="none" w="med" len="med"/>
+                      <a:tailEnd type="none" w="med" len="med"/>
+                    </a:lnL>
+                    <a:lnR w="12700" cap="flat" cmpd="sng" algn="ctr">
+                      <a:solidFill>
+                        <a:schemeClr val="tx1"/>
+                      </a:solidFill>
+                      <a:prstDash val="solid"/>
+                      <a:round/>
+                      <a:headEnd type="none" w="med" len="med"/>
+                      <a:tailEnd type="none" w="med" len="med"/>
+                    </a:lnR>
+                    <a:lnT w="12700" cap="flat" cmpd="sng" algn="ctr">
+                      <a:solidFill>
+                        <a:schemeClr val="tx1"/>
+                      </a:solidFill>
+                      <a:prstDash val="solid"/>
+                      <a:round/>
+                      <a:headEnd type="none" w="med" len="med"/>
+                      <a:tailEnd type="none" w="med" len="med"/>
+                    </a:lnT>
+                    <a:lnB w="12700" cap="flat" cmpd="sng" algn="ctr">
+                      <a:solidFill>
+                        <a:schemeClr val="tx1"/>
+                      </a:solidFill>
+                      <a:prstDash val="solid"/>
+                      <a:round/>
+                      <a:headEnd type="none" w="med" len="med"/>
+                      <a:tailEnd type="none" w="med" len="med"/>
+                    </a:lnB>
+                    <a:lnTlToBr w="12700" cmpd="sng">
+                      <a:noFill/>
+                      <a:prstDash val="solid"/>
+                    </a:lnTlToBr>
+                    <a:lnBlToTr w="12700" cmpd="sng">
+                      <a:noFill/>
+                      <a:prstDash val="solid"/>
+                    </a:lnBlToTr>
+                    <a:solidFill>
+                      <a:schemeClr val="bg2"/>
+                    </a:solidFill>
+                  </a:tcPr>
+                </a:tc>
+                <a:tc>
+                  <a:txBody>
+                    <a:bodyPr/>
+                    <a:lstStyle/>
+                    <a:p>
+                      <a:pPr algn="ctr" fontAlgn="ctr"/>
+                      <a:r>
+                        <a:rPr lang="en-GB" sz="1400" b="0" u="none" strike="noStrike">
+                          <a:ln>
+                            <a:solidFill>
+                              <a:schemeClr val="tx1"/>
+                            </a:solidFill>
+                          </a:ln>
+                          <a:solidFill>
+                            <a:srgbClr val="000000"/>
+                          </a:solidFill>
+                          <a:effectLst>
+                            <a:outerShdw blurRad="50800" dist="38100" dir="2700000" algn="tl" rotWithShape="0">
+                              <a:prstClr val="black">
+                                <a:alpha val="40000"/>
+                              </a:prstClr>
+                            </a:outerShdw>
+                          </a:effectLst>
+                        </a:rPr>
+                        <a:t>1.4</a:t>
+                      </a:r>
+                      <a:endParaRPr lang="en-GB" sz="1400" b="0" i="0" u="none" strike="noStrike">
+                        <a:ln>
+                          <a:solidFill>
+                            <a:schemeClr val="tx1"/>
+                          </a:solidFill>
+                        </a:ln>
+                        <a:solidFill>
+                          <a:srgbClr val="000000"/>
+                        </a:solidFill>
+                        <a:effectLst>
+                          <a:outerShdw blurRad="50800" dist="38100" dir="2700000" algn="tl" rotWithShape="0">
+                            <a:prstClr val="black">
+                              <a:alpha val="40000"/>
+                            </a:prstClr>
+                          </a:outerShdw>
+                        </a:effectLst>
+                        <a:latin typeface="Calibri" panose="020F0502020204030204" pitchFamily="34" charset="0"/>
+                      </a:endParaRPr>
+                    </a:p>
+                  </a:txBody>
+                  <a:tcPr marL="7473" marR="7473" marT="7473" marB="0" anchor="ctr">
+                    <a:lnL w="12700" cap="flat" cmpd="sng" algn="ctr">
+                      <a:solidFill>
+                        <a:schemeClr val="tx1"/>
+                      </a:solidFill>
+                      <a:prstDash val="solid"/>
+                      <a:round/>
+                      <a:headEnd type="none" w="med" len="med"/>
+                      <a:tailEnd type="none" w="med" len="med"/>
+                    </a:lnL>
+                    <a:lnR w="12700" cap="flat" cmpd="sng" algn="ctr">
+                      <a:solidFill>
+                        <a:schemeClr val="tx1"/>
+                      </a:solidFill>
+                      <a:prstDash val="solid"/>
+                      <a:round/>
+                      <a:headEnd type="none" w="med" len="med"/>
+                      <a:tailEnd type="none" w="med" len="med"/>
+                    </a:lnR>
+                    <a:lnT w="12700" cap="flat" cmpd="sng" algn="ctr">
+                      <a:solidFill>
+                        <a:schemeClr val="tx1"/>
+                      </a:solidFill>
+                      <a:prstDash val="solid"/>
+                      <a:round/>
+                      <a:headEnd type="none" w="med" len="med"/>
+                      <a:tailEnd type="none" w="med" len="med"/>
+                    </a:lnT>
+                    <a:lnB w="12700" cap="flat" cmpd="sng" algn="ctr">
+                      <a:solidFill>
+                        <a:schemeClr val="tx1"/>
+                      </a:solidFill>
+                      <a:prstDash val="solid"/>
+                      <a:round/>
+                      <a:headEnd type="none" w="med" len="med"/>
+                      <a:tailEnd type="none" w="med" len="med"/>
+                    </a:lnB>
+                    <a:lnTlToBr w="12700" cmpd="sng">
+                      <a:noFill/>
+                      <a:prstDash val="solid"/>
+                    </a:lnTlToBr>
+                    <a:lnBlToTr w="12700" cmpd="sng">
+                      <a:noFill/>
+                      <a:prstDash val="solid"/>
+                    </a:lnBlToTr>
+                    <a:solidFill>
+                      <a:schemeClr val="bg2"/>
+                    </a:solidFill>
+                  </a:tcPr>
+                </a:tc>
+                <a:extLst>
+                  <a:ext uri="{0D108BD9-81ED-4DB2-BD59-A6C34878D82A}">
+                    <a16:rowId xmlns:a16="http://schemas.microsoft.com/office/drawing/2014/main" val="784847152"/>
+                  </a:ext>
+                </a:extLst>
+              </a:tr>
+              <a:tr h="248481">
+                <a:tc>
+                  <a:txBody>
+                    <a:bodyPr/>
+                    <a:lstStyle/>
+                    <a:p>
+                      <a:pPr algn="l" fontAlgn="ctr"/>
+                      <a:r>
+                        <a:rPr lang="en-GB" sz="1200" b="0" u="none" strike="noStrike">
+                          <a:ln>
+                            <a:solidFill>
+                              <a:schemeClr val="tx1"/>
+                            </a:solidFill>
+                          </a:ln>
+                          <a:solidFill>
+                            <a:srgbClr val="000000"/>
+                          </a:solidFill>
+                          <a:effectLst>
+                            <a:outerShdw blurRad="50800" dist="38100" dir="2700000" algn="tl" rotWithShape="0">
+                              <a:prstClr val="black">
+                                <a:alpha val="40000"/>
+                              </a:prstClr>
+                            </a:outerShdw>
+                          </a:effectLst>
+                        </a:rPr>
+                        <a:t>Garmin Connect Mobile</a:t>
+                      </a:r>
+                      <a:endParaRPr lang="en-GB" sz="1200" b="0" i="0" u="none" strike="noStrike">
+                        <a:ln>
+                          <a:solidFill>
+                            <a:schemeClr val="tx1"/>
+                          </a:solidFill>
+                        </a:ln>
+                        <a:solidFill>
+                          <a:srgbClr val="000000"/>
+                        </a:solidFill>
+                        <a:effectLst>
+                          <a:outerShdw blurRad="50800" dist="38100" dir="2700000" algn="tl" rotWithShape="0">
+                            <a:prstClr val="black">
+                              <a:alpha val="40000"/>
+                            </a:prstClr>
+                          </a:outerShdw>
+                        </a:effectLst>
+                        <a:latin typeface="Calibri" panose="020F0502020204030204" pitchFamily="34" charset="0"/>
+                      </a:endParaRPr>
+                    </a:p>
+                  </a:txBody>
+                  <a:tcPr marL="7473" marR="7473" marT="7473" marB="0" anchor="ctr">
+                    <a:lnL w="12700" cap="flat" cmpd="sng" algn="ctr">
+                      <a:solidFill>
+                        <a:schemeClr val="tx1"/>
+                      </a:solidFill>
+                      <a:prstDash val="solid"/>
+                      <a:round/>
+                      <a:headEnd type="none" w="med" len="med"/>
+                      <a:tailEnd type="none" w="med" len="med"/>
+                    </a:lnL>
+                    <a:lnR w="12700" cap="flat" cmpd="sng" algn="ctr">
+                      <a:solidFill>
+                        <a:schemeClr val="tx1"/>
+                      </a:solidFill>
+                      <a:prstDash val="solid"/>
+                      <a:round/>
+                      <a:headEnd type="none" w="med" len="med"/>
+                      <a:tailEnd type="none" w="med" len="med"/>
+                    </a:lnR>
+                    <a:lnT w="12700" cap="flat" cmpd="sng" algn="ctr">
+                      <a:solidFill>
+                        <a:schemeClr val="tx1"/>
+                      </a:solidFill>
+                      <a:prstDash val="solid"/>
+                      <a:round/>
+                      <a:headEnd type="none" w="med" len="med"/>
+                      <a:tailEnd type="none" w="med" len="med"/>
+                    </a:lnT>
+                    <a:lnB w="12700" cap="flat" cmpd="sng" algn="ctr">
+                      <a:solidFill>
+                        <a:schemeClr val="tx1"/>
+                      </a:solidFill>
+                      <a:prstDash val="solid"/>
+                      <a:round/>
+                      <a:headEnd type="none" w="med" len="med"/>
+                      <a:tailEnd type="none" w="med" len="med"/>
+                    </a:lnB>
+                    <a:lnTlToBr w="12700" cmpd="sng">
+                      <a:noFill/>
+                      <a:prstDash val="solid"/>
+                    </a:lnTlToBr>
+                    <a:lnBlToTr w="12700" cmpd="sng">
+                      <a:noFill/>
+                      <a:prstDash val="solid"/>
+                    </a:lnBlToTr>
+                    <a:solidFill>
+                      <a:schemeClr val="bg2"/>
+                    </a:solidFill>
+                  </a:tcPr>
+                </a:tc>
+                <a:tc>
+                  <a:txBody>
+                    <a:bodyPr/>
+                    <a:lstStyle/>
+                    <a:p>
+                      <a:pPr algn="ctr" fontAlgn="ctr"/>
+                      <a:r>
+                        <a:rPr lang="en-GB" sz="1400" b="0" u="none" strike="noStrike">
+                          <a:ln>
+                            <a:solidFill>
+                              <a:schemeClr val="tx1"/>
+                            </a:solidFill>
+                          </a:ln>
+                          <a:solidFill>
+                            <a:srgbClr val="000000"/>
+                          </a:solidFill>
+                          <a:effectLst>
+                            <a:outerShdw blurRad="50800" dist="38100" dir="2700000" algn="tl" rotWithShape="0">
+                              <a:prstClr val="black">
+                                <a:alpha val="40000"/>
+                              </a:prstClr>
+                            </a:outerShdw>
+                          </a:effectLst>
+                        </a:rPr>
+                        <a:t>1.7</a:t>
+                      </a:r>
+                      <a:endParaRPr lang="en-GB" sz="1400" b="0" i="0" u="none" strike="noStrike">
+                        <a:ln>
+                          <a:solidFill>
+                            <a:schemeClr val="tx1"/>
+                          </a:solidFill>
+                        </a:ln>
+                        <a:solidFill>
+                          <a:srgbClr val="000000"/>
+                        </a:solidFill>
+                        <a:effectLst>
+                          <a:outerShdw blurRad="50800" dist="38100" dir="2700000" algn="tl" rotWithShape="0">
+                            <a:prstClr val="black">
+                              <a:alpha val="40000"/>
+                            </a:prstClr>
+                          </a:outerShdw>
+                        </a:effectLst>
+                        <a:latin typeface="Calibri" panose="020F0502020204030204" pitchFamily="34" charset="0"/>
+                      </a:endParaRPr>
+                    </a:p>
+                  </a:txBody>
+                  <a:tcPr marL="7473" marR="7473" marT="7473" marB="0" anchor="ctr">
+                    <a:lnL w="12700" cap="flat" cmpd="sng" algn="ctr">
+                      <a:solidFill>
+                        <a:schemeClr val="tx1"/>
+                      </a:solidFill>
+                      <a:prstDash val="solid"/>
+                      <a:round/>
+                      <a:headEnd type="none" w="med" len="med"/>
+                      <a:tailEnd type="none" w="med" len="med"/>
+                    </a:lnL>
+                    <a:lnR w="12700" cap="flat" cmpd="sng" algn="ctr">
+                      <a:solidFill>
+                        <a:schemeClr val="tx1"/>
+                      </a:solidFill>
+                      <a:prstDash val="solid"/>
+                      <a:round/>
+                      <a:headEnd type="none" w="med" len="med"/>
+                      <a:tailEnd type="none" w="med" len="med"/>
+                    </a:lnR>
+                    <a:lnT w="12700" cap="flat" cmpd="sng" algn="ctr">
+                      <a:solidFill>
+                        <a:schemeClr val="tx1"/>
+                      </a:solidFill>
+                      <a:prstDash val="solid"/>
+                      <a:round/>
+                      <a:headEnd type="none" w="med" len="med"/>
+                      <a:tailEnd type="none" w="med" len="med"/>
+                    </a:lnT>
+                    <a:lnB w="12700" cap="flat" cmpd="sng" algn="ctr">
+                      <a:solidFill>
+                        <a:schemeClr val="tx1"/>
+                      </a:solidFill>
+                      <a:prstDash val="solid"/>
+                      <a:round/>
+                      <a:headEnd type="none" w="med" len="med"/>
+                      <a:tailEnd type="none" w="med" len="med"/>
+                    </a:lnB>
+                    <a:lnTlToBr w="12700" cmpd="sng">
+                      <a:noFill/>
+                      <a:prstDash val="solid"/>
+                    </a:lnTlToBr>
+                    <a:lnBlToTr w="12700" cmpd="sng">
+                      <a:noFill/>
+                      <a:prstDash val="solid"/>
+                    </a:lnBlToTr>
+                    <a:solidFill>
+                      <a:schemeClr val="bg2"/>
+                    </a:solidFill>
+                  </a:tcPr>
+                </a:tc>
+                <a:extLst>
+                  <a:ext uri="{0D108BD9-81ED-4DB2-BD59-A6C34878D82A}">
+                    <a16:rowId xmlns:a16="http://schemas.microsoft.com/office/drawing/2014/main" val="4221485862"/>
+                  </a:ext>
+                </a:extLst>
+              </a:tr>
+              <a:tr h="248481">
+                <a:tc>
+                  <a:txBody>
+                    <a:bodyPr/>
+                    <a:lstStyle/>
+                    <a:p>
+                      <a:pPr algn="l" fontAlgn="ctr"/>
+                      <a:r>
+                        <a:rPr lang="en-GB" sz="1200" b="0" u="none" strike="noStrike">
+                          <a:ln>
+                            <a:solidFill>
+                              <a:schemeClr val="tx1"/>
+                            </a:solidFill>
+                          </a:ln>
+                          <a:solidFill>
+                            <a:srgbClr val="000000"/>
+                          </a:solidFill>
+                          <a:effectLst>
+                            <a:outerShdw blurRad="50800" dist="38100" dir="2700000" algn="tl" rotWithShape="0">
+                              <a:prstClr val="black">
+                                <a:alpha val="40000"/>
+                              </a:prstClr>
+                            </a:outerShdw>
+                          </a:effectLst>
+                        </a:rPr>
+                        <a:t>My Calendar - Period Tracker</a:t>
+                      </a:r>
+                      <a:endParaRPr lang="en-GB" sz="1200" b="0" i="0" u="none" strike="noStrike">
+                        <a:ln>
+                          <a:solidFill>
+                            <a:schemeClr val="tx1"/>
+                          </a:solidFill>
+                        </a:ln>
+                        <a:solidFill>
+                          <a:srgbClr val="000000"/>
+                        </a:solidFill>
+                        <a:effectLst>
+                          <a:outerShdw blurRad="50800" dist="38100" dir="2700000" algn="tl" rotWithShape="0">
+                            <a:prstClr val="black">
+                              <a:alpha val="40000"/>
+                            </a:prstClr>
+                          </a:outerShdw>
+                        </a:effectLst>
+                        <a:latin typeface="Calibri" panose="020F0502020204030204" pitchFamily="34" charset="0"/>
+                      </a:endParaRPr>
+                    </a:p>
+                  </a:txBody>
+                  <a:tcPr marL="7473" marR="7473" marT="7473" marB="0" anchor="ctr">
+                    <a:lnL w="12700" cap="flat" cmpd="sng" algn="ctr">
+                      <a:solidFill>
+                        <a:schemeClr val="tx1"/>
+                      </a:solidFill>
+                      <a:prstDash val="solid"/>
+                      <a:round/>
+                      <a:headEnd type="none" w="med" len="med"/>
+                      <a:tailEnd type="none" w="med" len="med"/>
+                    </a:lnL>
+                    <a:lnR w="12700" cap="flat" cmpd="sng" algn="ctr">
+                      <a:solidFill>
+                        <a:schemeClr val="tx1"/>
+                      </a:solidFill>
+                      <a:prstDash val="solid"/>
+                      <a:round/>
+                      <a:headEnd type="none" w="med" len="med"/>
+                      <a:tailEnd type="none" w="med" len="med"/>
+                    </a:lnR>
+                    <a:lnT w="12700" cap="flat" cmpd="sng" algn="ctr">
+                      <a:solidFill>
+                        <a:schemeClr val="tx1"/>
+                      </a:solidFill>
+                      <a:prstDash val="solid"/>
+                      <a:round/>
+                      <a:headEnd type="none" w="med" len="med"/>
+                      <a:tailEnd type="none" w="med" len="med"/>
+                    </a:lnT>
+                    <a:lnB w="12700" cap="flat" cmpd="sng" algn="ctr">
+                      <a:solidFill>
+                        <a:schemeClr val="tx1"/>
+                      </a:solidFill>
+                      <a:prstDash val="solid"/>
+                      <a:round/>
+                      <a:headEnd type="none" w="med" len="med"/>
+                      <a:tailEnd type="none" w="med" len="med"/>
+                    </a:lnB>
+                    <a:lnTlToBr w="12700" cmpd="sng">
+                      <a:noFill/>
+                      <a:prstDash val="solid"/>
+                    </a:lnTlToBr>
+                    <a:lnBlToTr w="12700" cmpd="sng">
+                      <a:noFill/>
+                      <a:prstDash val="solid"/>
+                    </a:lnBlToTr>
+                    <a:solidFill>
+                      <a:schemeClr val="bg2"/>
+                    </a:solidFill>
+                  </a:tcPr>
+                </a:tc>
+                <a:tc>
+                  <a:txBody>
+                    <a:bodyPr/>
+                    <a:lstStyle/>
+                    <a:p>
+                      <a:pPr algn="ctr" fontAlgn="ctr"/>
+                      <a:r>
+                        <a:rPr lang="en-GB" sz="1400" b="0" u="none" strike="noStrike">
+                          <a:ln>
+                            <a:solidFill>
+                              <a:schemeClr val="tx1"/>
+                            </a:solidFill>
+                          </a:ln>
+                          <a:solidFill>
+                            <a:srgbClr val="000000"/>
+                          </a:solidFill>
+                          <a:effectLst>
+                            <a:outerShdw blurRad="50800" dist="38100" dir="2700000" algn="tl" rotWithShape="0">
+                              <a:prstClr val="black">
+                                <a:alpha val="40000"/>
+                              </a:prstClr>
+                            </a:outerShdw>
+                          </a:effectLst>
+                        </a:rPr>
+                        <a:t>1.9</a:t>
+                      </a:r>
+                      <a:endParaRPr lang="en-GB" sz="1400" b="0" i="0" u="none" strike="noStrike">
+                        <a:ln>
+                          <a:solidFill>
+                            <a:schemeClr val="tx1"/>
+                          </a:solidFill>
+                        </a:ln>
+                        <a:solidFill>
+                          <a:srgbClr val="000000"/>
+                        </a:solidFill>
+                        <a:effectLst>
+                          <a:outerShdw blurRad="50800" dist="38100" dir="2700000" algn="tl" rotWithShape="0">
+                            <a:prstClr val="black">
+                              <a:alpha val="40000"/>
+                            </a:prstClr>
+                          </a:outerShdw>
+                        </a:effectLst>
+                        <a:latin typeface="Calibri" panose="020F0502020204030204" pitchFamily="34" charset="0"/>
+                      </a:endParaRPr>
+                    </a:p>
+                  </a:txBody>
+                  <a:tcPr marL="7473" marR="7473" marT="7473" marB="0" anchor="ctr">
+                    <a:lnL w="12700" cap="flat" cmpd="sng" algn="ctr">
+                      <a:solidFill>
+                        <a:schemeClr val="tx1"/>
+                      </a:solidFill>
+                      <a:prstDash val="solid"/>
+                      <a:round/>
+                      <a:headEnd type="none" w="med" len="med"/>
+                      <a:tailEnd type="none" w="med" len="med"/>
+                    </a:lnL>
+                    <a:lnR w="12700" cap="flat" cmpd="sng" algn="ctr">
+                      <a:solidFill>
+                        <a:schemeClr val="tx1"/>
+                      </a:solidFill>
+                      <a:prstDash val="solid"/>
+                      <a:round/>
+                      <a:headEnd type="none" w="med" len="med"/>
+                      <a:tailEnd type="none" w="med" len="med"/>
+                    </a:lnR>
+                    <a:lnT w="12700" cap="flat" cmpd="sng" algn="ctr">
+                      <a:solidFill>
+                        <a:schemeClr val="tx1"/>
+                      </a:solidFill>
+                      <a:prstDash val="solid"/>
+                      <a:round/>
+                      <a:headEnd type="none" w="med" len="med"/>
+                      <a:tailEnd type="none" w="med" len="med"/>
+                    </a:lnT>
+                    <a:lnB w="12700" cap="flat" cmpd="sng" algn="ctr">
+                      <a:solidFill>
+                        <a:schemeClr val="tx1"/>
+                      </a:solidFill>
+                      <a:prstDash val="solid"/>
+                      <a:round/>
+                      <a:headEnd type="none" w="med" len="med"/>
+                      <a:tailEnd type="none" w="med" len="med"/>
+                    </a:lnB>
+                    <a:lnTlToBr w="12700" cmpd="sng">
+                      <a:noFill/>
+                      <a:prstDash val="solid"/>
+                    </a:lnTlToBr>
+                    <a:lnBlToTr w="12700" cmpd="sng">
+                      <a:noFill/>
+                      <a:prstDash val="solid"/>
+                    </a:lnBlToTr>
+                    <a:solidFill>
+                      <a:schemeClr val="bg2"/>
+                    </a:solidFill>
+                  </a:tcPr>
+                </a:tc>
+                <a:extLst>
+                  <a:ext uri="{0D108BD9-81ED-4DB2-BD59-A6C34878D82A}">
+                    <a16:rowId xmlns:a16="http://schemas.microsoft.com/office/drawing/2014/main" val="1187150241"/>
+                  </a:ext>
+                </a:extLst>
+              </a:tr>
+              <a:tr h="248481">
+                <a:tc>
+                  <a:txBody>
+                    <a:bodyPr/>
+                    <a:lstStyle/>
+                    <a:p>
+                      <a:pPr algn="l" fontAlgn="ctr"/>
+                      <a:r>
+                        <a:rPr lang="en-GB" sz="1200" b="0" u="none" strike="noStrike">
+                          <a:ln>
+                            <a:solidFill>
+                              <a:schemeClr val="tx1"/>
+                            </a:solidFill>
+                          </a:ln>
+                          <a:solidFill>
+                            <a:srgbClr val="000000"/>
+                          </a:solidFill>
+                          <a:effectLst>
+                            <a:outerShdw blurRad="50800" dist="38100" dir="2700000" algn="tl" rotWithShape="0">
+                              <a:prstClr val="black">
+                                <a:alpha val="40000"/>
+                              </a:prstClr>
+                            </a:outerShdw>
+                          </a:effectLst>
+                        </a:rPr>
+                        <a:t>Google Fit</a:t>
+                      </a:r>
+                      <a:endParaRPr lang="en-GB" sz="1200" b="0" i="0" u="none" strike="noStrike">
+                        <a:ln>
+                          <a:solidFill>
+                            <a:schemeClr val="tx1"/>
+                          </a:solidFill>
+                        </a:ln>
+                        <a:solidFill>
+                          <a:srgbClr val="000000"/>
+                        </a:solidFill>
+                        <a:effectLst>
+                          <a:outerShdw blurRad="50800" dist="38100" dir="2700000" algn="tl" rotWithShape="0">
+                            <a:prstClr val="black">
+                              <a:alpha val="40000"/>
+                            </a:prstClr>
+                          </a:outerShdw>
+                        </a:effectLst>
+                        <a:latin typeface="Calibri" panose="020F0502020204030204" pitchFamily="34" charset="0"/>
+                      </a:endParaRPr>
+                    </a:p>
+                  </a:txBody>
+                  <a:tcPr marL="7473" marR="7473" marT="7473" marB="0" anchor="ctr">
+                    <a:lnL w="12700" cap="flat" cmpd="sng" algn="ctr">
+                      <a:solidFill>
+                        <a:schemeClr val="tx1"/>
+                      </a:solidFill>
+                      <a:prstDash val="solid"/>
+                      <a:round/>
+                      <a:headEnd type="none" w="med" len="med"/>
+                      <a:tailEnd type="none" w="med" len="med"/>
+                    </a:lnL>
+                    <a:lnR w="12700" cap="flat" cmpd="sng" algn="ctr">
+                      <a:solidFill>
+                        <a:schemeClr val="tx1"/>
+                      </a:solidFill>
+                      <a:prstDash val="solid"/>
+                      <a:round/>
+                      <a:headEnd type="none" w="med" len="med"/>
+                      <a:tailEnd type="none" w="med" len="med"/>
+                    </a:lnR>
+                    <a:lnT w="12700" cap="flat" cmpd="sng" algn="ctr">
+                      <a:solidFill>
+                        <a:schemeClr val="tx1"/>
+                      </a:solidFill>
+                      <a:prstDash val="solid"/>
+                      <a:round/>
+                      <a:headEnd type="none" w="med" len="med"/>
+                      <a:tailEnd type="none" w="med" len="med"/>
+                    </a:lnT>
+                    <a:lnB w="12700" cap="flat" cmpd="sng" algn="ctr">
+                      <a:solidFill>
+                        <a:schemeClr val="tx1"/>
+                      </a:solidFill>
+                      <a:prstDash val="solid"/>
+                      <a:round/>
+                      <a:headEnd type="none" w="med" len="med"/>
+                      <a:tailEnd type="none" w="med" len="med"/>
+                    </a:lnB>
+                    <a:lnTlToBr w="12700" cmpd="sng">
+                      <a:noFill/>
+                      <a:prstDash val="solid"/>
+                    </a:lnTlToBr>
+                    <a:lnBlToTr w="12700" cmpd="sng">
+                      <a:noFill/>
+                      <a:prstDash val="solid"/>
+                    </a:lnBlToTr>
+                    <a:solidFill>
+                      <a:schemeClr val="bg2"/>
+                    </a:solidFill>
+                  </a:tcPr>
+                </a:tc>
+                <a:tc>
+                  <a:txBody>
+                    <a:bodyPr/>
+                    <a:lstStyle/>
+                    <a:p>
+                      <a:pPr algn="ctr" fontAlgn="ctr"/>
+                      <a:r>
+                        <a:rPr lang="en-GB" sz="1400" b="0" u="none" strike="noStrike">
+                          <a:ln>
+                            <a:solidFill>
+                              <a:schemeClr val="tx1"/>
+                            </a:solidFill>
+                          </a:ln>
+                          <a:solidFill>
+                            <a:srgbClr val="000000"/>
+                          </a:solidFill>
+                          <a:effectLst>
+                            <a:outerShdw blurRad="50800" dist="38100" dir="2700000" algn="tl" rotWithShape="0">
+                              <a:prstClr val="black">
+                                <a:alpha val="40000"/>
+                              </a:prstClr>
+                            </a:outerShdw>
+                          </a:effectLst>
+                        </a:rPr>
+                        <a:t>2.6</a:t>
+                      </a:r>
+                      <a:endParaRPr lang="en-GB" sz="1400" b="0" i="0" u="none" strike="noStrike">
+                        <a:ln>
+                          <a:solidFill>
+                            <a:schemeClr val="tx1"/>
+                          </a:solidFill>
+                        </a:ln>
+                        <a:solidFill>
+                          <a:srgbClr val="000000"/>
+                        </a:solidFill>
+                        <a:effectLst>
+                          <a:outerShdw blurRad="50800" dist="38100" dir="2700000" algn="tl" rotWithShape="0">
+                            <a:prstClr val="black">
+                              <a:alpha val="40000"/>
+                            </a:prstClr>
+                          </a:outerShdw>
+                        </a:effectLst>
+                        <a:latin typeface="Calibri" panose="020F0502020204030204" pitchFamily="34" charset="0"/>
+                      </a:endParaRPr>
+                    </a:p>
+                  </a:txBody>
+                  <a:tcPr marL="7473" marR="7473" marT="7473" marB="0" anchor="ctr">
+                    <a:lnL w="12700" cap="flat" cmpd="sng" algn="ctr">
+                      <a:solidFill>
+                        <a:schemeClr val="tx1"/>
+                      </a:solidFill>
+                      <a:prstDash val="solid"/>
+                      <a:round/>
+                      <a:headEnd type="none" w="med" len="med"/>
+                      <a:tailEnd type="none" w="med" len="med"/>
+                    </a:lnL>
+                    <a:lnR w="12700" cap="flat" cmpd="sng" algn="ctr">
+                      <a:solidFill>
+                        <a:schemeClr val="tx1"/>
+                      </a:solidFill>
+                      <a:prstDash val="solid"/>
+                      <a:round/>
+                      <a:headEnd type="none" w="med" len="med"/>
+                      <a:tailEnd type="none" w="med" len="med"/>
+                    </a:lnR>
+                    <a:lnT w="12700" cap="flat" cmpd="sng" algn="ctr">
+                      <a:solidFill>
+                        <a:schemeClr val="tx1"/>
+                      </a:solidFill>
+                      <a:prstDash val="solid"/>
+                      <a:round/>
+                      <a:headEnd type="none" w="med" len="med"/>
+                      <a:tailEnd type="none" w="med" len="med"/>
+                    </a:lnT>
+                    <a:lnB w="12700" cap="flat" cmpd="sng" algn="ctr">
+                      <a:solidFill>
+                        <a:schemeClr val="tx1"/>
+                      </a:solidFill>
+                      <a:prstDash val="solid"/>
+                      <a:round/>
+                      <a:headEnd type="none" w="med" len="med"/>
+                      <a:tailEnd type="none" w="med" len="med"/>
+                    </a:lnB>
+                    <a:lnTlToBr w="12700" cmpd="sng">
+                      <a:noFill/>
+                      <a:prstDash val="solid"/>
+                    </a:lnTlToBr>
+                    <a:lnBlToTr w="12700" cmpd="sng">
+                      <a:noFill/>
+                      <a:prstDash val="solid"/>
+                    </a:lnBlToTr>
+                    <a:solidFill>
+                      <a:schemeClr val="bg2"/>
+                    </a:solidFill>
+                  </a:tcPr>
+                </a:tc>
+                <a:extLst>
+                  <a:ext uri="{0D108BD9-81ED-4DB2-BD59-A6C34878D82A}">
+                    <a16:rowId xmlns:a16="http://schemas.microsoft.com/office/drawing/2014/main" val="3121934547"/>
+                  </a:ext>
+                </a:extLst>
+              </a:tr>
+              <a:tr h="248481">
+                <a:tc>
+                  <a:txBody>
+                    <a:bodyPr/>
+                    <a:lstStyle/>
+                    <a:p>
+                      <a:pPr algn="l" fontAlgn="ctr"/>
+                      <a:r>
+                        <a:rPr lang="en-GB" sz="1200" b="0" u="none" strike="noStrike">
+                          <a:ln>
+                            <a:solidFill>
+                              <a:schemeClr val="tx1"/>
+                            </a:solidFill>
+                          </a:ln>
+                          <a:solidFill>
+                            <a:srgbClr val="000000"/>
+                          </a:solidFill>
+                          <a:effectLst>
+                            <a:outerShdw blurRad="50800" dist="38100" dir="2700000" algn="tl" rotWithShape="0">
+                              <a:prstClr val="black">
+                                <a:alpha val="40000"/>
+                              </a:prstClr>
+                            </a:outerShdw>
+                          </a:effectLst>
+                        </a:rPr>
+                        <a:t>Weight Watchers</a:t>
+                      </a:r>
+                      <a:endParaRPr lang="en-GB" sz="1200" b="0" i="0" u="none" strike="noStrike">
+                        <a:ln>
+                          <a:solidFill>
+                            <a:schemeClr val="tx1"/>
+                          </a:solidFill>
+                        </a:ln>
+                        <a:solidFill>
+                          <a:srgbClr val="000000"/>
+                        </a:solidFill>
+                        <a:effectLst>
+                          <a:outerShdw blurRad="50800" dist="38100" dir="2700000" algn="tl" rotWithShape="0">
+                            <a:prstClr val="black">
+                              <a:alpha val="40000"/>
+                            </a:prstClr>
+                          </a:outerShdw>
+                        </a:effectLst>
+                        <a:latin typeface="Calibri" panose="020F0502020204030204" pitchFamily="34" charset="0"/>
+                      </a:endParaRPr>
+                    </a:p>
+                  </a:txBody>
+                  <a:tcPr marL="7473" marR="7473" marT="7473" marB="0" anchor="ctr">
+                    <a:lnL w="12700" cap="flat" cmpd="sng" algn="ctr">
+                      <a:solidFill>
+                        <a:schemeClr val="tx1"/>
+                      </a:solidFill>
+                      <a:prstDash val="solid"/>
+                      <a:round/>
+                      <a:headEnd type="none" w="med" len="med"/>
+                      <a:tailEnd type="none" w="med" len="med"/>
+                    </a:lnL>
+                    <a:lnR w="12700" cap="flat" cmpd="sng" algn="ctr">
+                      <a:solidFill>
+                        <a:schemeClr val="tx1"/>
+                      </a:solidFill>
+                      <a:prstDash val="solid"/>
+                      <a:round/>
+                      <a:headEnd type="none" w="med" len="med"/>
+                      <a:tailEnd type="none" w="med" len="med"/>
+                    </a:lnR>
+                    <a:lnT w="12700" cap="flat" cmpd="sng" algn="ctr">
+                      <a:solidFill>
+                        <a:schemeClr val="tx1"/>
+                      </a:solidFill>
+                      <a:prstDash val="solid"/>
+                      <a:round/>
+                      <a:headEnd type="none" w="med" len="med"/>
+                      <a:tailEnd type="none" w="med" len="med"/>
+                    </a:lnT>
+                    <a:lnB w="12700" cap="flat" cmpd="sng" algn="ctr">
+                      <a:solidFill>
+                        <a:schemeClr val="tx1"/>
+                      </a:solidFill>
+                      <a:prstDash val="solid"/>
+                      <a:round/>
+                      <a:headEnd type="none" w="med" len="med"/>
+                      <a:tailEnd type="none" w="med" len="med"/>
+                    </a:lnB>
+                    <a:lnTlToBr w="12700" cmpd="sng">
+                      <a:noFill/>
+                      <a:prstDash val="solid"/>
+                    </a:lnTlToBr>
+                    <a:lnBlToTr w="12700" cmpd="sng">
+                      <a:noFill/>
+                      <a:prstDash val="solid"/>
+                    </a:lnBlToTr>
+                    <a:solidFill>
+                      <a:schemeClr val="bg2"/>
+                    </a:solidFill>
+                  </a:tcPr>
+                </a:tc>
+                <a:tc>
+                  <a:txBody>
+                    <a:bodyPr/>
+                    <a:lstStyle/>
+                    <a:p>
+                      <a:pPr algn="ctr" fontAlgn="ctr"/>
+                      <a:r>
+                        <a:rPr lang="en-GB" sz="1400" b="0" u="none" strike="noStrike">
+                          <a:ln>
+                            <a:solidFill>
+                              <a:schemeClr val="tx1"/>
+                            </a:solidFill>
+                          </a:ln>
+                          <a:solidFill>
+                            <a:srgbClr val="000000"/>
+                          </a:solidFill>
+                          <a:effectLst>
+                            <a:outerShdw blurRad="50800" dist="38100" dir="2700000" algn="tl" rotWithShape="0">
+                              <a:prstClr val="black">
+                                <a:alpha val="40000"/>
+                              </a:prstClr>
+                            </a:outerShdw>
+                          </a:effectLst>
+                        </a:rPr>
+                        <a:t>3.7</a:t>
+                      </a:r>
+                      <a:endParaRPr lang="en-GB" sz="1400" b="0" i="0" u="none" strike="noStrike">
+                        <a:ln>
+                          <a:solidFill>
+                            <a:schemeClr val="tx1"/>
+                          </a:solidFill>
+                        </a:ln>
+                        <a:solidFill>
+                          <a:srgbClr val="000000"/>
+                        </a:solidFill>
+                        <a:effectLst>
+                          <a:outerShdw blurRad="50800" dist="38100" dir="2700000" algn="tl" rotWithShape="0">
+                            <a:prstClr val="black">
+                              <a:alpha val="40000"/>
+                            </a:prstClr>
+                          </a:outerShdw>
+                        </a:effectLst>
+                        <a:latin typeface="Calibri" panose="020F0502020204030204" pitchFamily="34" charset="0"/>
+                      </a:endParaRPr>
+                    </a:p>
+                  </a:txBody>
+                  <a:tcPr marL="7473" marR="7473" marT="7473" marB="0" anchor="ctr">
+                    <a:lnL w="12700" cap="flat" cmpd="sng" algn="ctr">
+                      <a:solidFill>
+                        <a:schemeClr val="tx1"/>
+                      </a:solidFill>
+                      <a:prstDash val="solid"/>
+                      <a:round/>
+                      <a:headEnd type="none" w="med" len="med"/>
+                      <a:tailEnd type="none" w="med" len="med"/>
+                    </a:lnL>
+                    <a:lnR w="12700" cap="flat" cmpd="sng" algn="ctr">
+                      <a:solidFill>
+                        <a:schemeClr val="tx1"/>
+                      </a:solidFill>
+                      <a:prstDash val="solid"/>
+                      <a:round/>
+                      <a:headEnd type="none" w="med" len="med"/>
+                      <a:tailEnd type="none" w="med" len="med"/>
+                    </a:lnR>
+                    <a:lnT w="12700" cap="flat" cmpd="sng" algn="ctr">
+                      <a:solidFill>
+                        <a:schemeClr val="tx1"/>
+                      </a:solidFill>
+                      <a:prstDash val="solid"/>
+                      <a:round/>
+                      <a:headEnd type="none" w="med" len="med"/>
+                      <a:tailEnd type="none" w="med" len="med"/>
+                    </a:lnT>
+                    <a:lnB w="12700" cap="flat" cmpd="sng" algn="ctr">
+                      <a:solidFill>
+                        <a:schemeClr val="tx1"/>
+                      </a:solidFill>
+                      <a:prstDash val="solid"/>
+                      <a:round/>
+                      <a:headEnd type="none" w="med" len="med"/>
+                      <a:tailEnd type="none" w="med" len="med"/>
+                    </a:lnB>
+                    <a:lnTlToBr w="12700" cmpd="sng">
+                      <a:noFill/>
+                      <a:prstDash val="solid"/>
+                    </a:lnTlToBr>
+                    <a:lnBlToTr w="12700" cmpd="sng">
+                      <a:noFill/>
+                      <a:prstDash val="solid"/>
+                    </a:lnBlToTr>
+                    <a:solidFill>
+                      <a:schemeClr val="bg2"/>
+                    </a:solidFill>
+                  </a:tcPr>
+                </a:tc>
+                <a:extLst>
+                  <a:ext uri="{0D108BD9-81ED-4DB2-BD59-A6C34878D82A}">
+                    <a16:rowId xmlns:a16="http://schemas.microsoft.com/office/drawing/2014/main" val="3713035656"/>
+                  </a:ext>
+                </a:extLst>
+              </a:tr>
+              <a:tr h="248481">
+                <a:tc>
+                  <a:txBody>
+                    <a:bodyPr/>
+                    <a:lstStyle/>
+                    <a:p>
+                      <a:pPr algn="l" fontAlgn="ctr"/>
+                      <a:r>
+                        <a:rPr lang="en-GB" sz="1200" b="0" u="none" strike="noStrike">
+                          <a:ln>
+                            <a:solidFill>
+                              <a:schemeClr val="tx1"/>
+                            </a:solidFill>
+                          </a:ln>
+                          <a:solidFill>
+                            <a:srgbClr val="000000"/>
+                          </a:solidFill>
+                          <a:effectLst>
+                            <a:outerShdw blurRad="50800" dist="38100" dir="2700000" algn="tl" rotWithShape="0">
+                              <a:prstClr val="black">
+                                <a:alpha val="40000"/>
+                              </a:prstClr>
+                            </a:outerShdw>
+                          </a:effectLst>
+                        </a:rPr>
+                        <a:t>S Health</a:t>
+                      </a:r>
+                      <a:endParaRPr lang="en-GB" sz="1200" b="0" i="0" u="none" strike="noStrike">
+                        <a:ln>
+                          <a:solidFill>
+                            <a:schemeClr val="tx1"/>
+                          </a:solidFill>
+                        </a:ln>
+                        <a:solidFill>
+                          <a:srgbClr val="000000"/>
+                        </a:solidFill>
+                        <a:effectLst>
+                          <a:outerShdw blurRad="50800" dist="38100" dir="2700000" algn="tl" rotWithShape="0">
+                            <a:prstClr val="black">
+                              <a:alpha val="40000"/>
+                            </a:prstClr>
+                          </a:outerShdw>
+                        </a:effectLst>
+                        <a:latin typeface="Calibri" panose="020F0502020204030204" pitchFamily="34" charset="0"/>
+                      </a:endParaRPr>
+                    </a:p>
+                  </a:txBody>
+                  <a:tcPr marL="7473" marR="7473" marT="7473" marB="0" anchor="ctr">
+                    <a:lnL w="12700" cap="flat" cmpd="sng" algn="ctr">
+                      <a:solidFill>
+                        <a:schemeClr val="tx1"/>
+                      </a:solidFill>
+                      <a:prstDash val="solid"/>
+                      <a:round/>
+                      <a:headEnd type="none" w="med" len="med"/>
+                      <a:tailEnd type="none" w="med" len="med"/>
+                    </a:lnL>
+                    <a:lnR w="12700" cap="flat" cmpd="sng" algn="ctr">
+                      <a:solidFill>
+                        <a:schemeClr val="tx1"/>
+                      </a:solidFill>
+                      <a:prstDash val="solid"/>
+                      <a:round/>
+                      <a:headEnd type="none" w="med" len="med"/>
+                      <a:tailEnd type="none" w="med" len="med"/>
+                    </a:lnR>
+                    <a:lnT w="12700" cap="flat" cmpd="sng" algn="ctr">
+                      <a:solidFill>
+                        <a:schemeClr val="tx1"/>
+                      </a:solidFill>
+                      <a:prstDash val="solid"/>
+                      <a:round/>
+                      <a:headEnd type="none" w="med" len="med"/>
+                      <a:tailEnd type="none" w="med" len="med"/>
+                    </a:lnT>
+                    <a:lnB w="12700" cap="flat" cmpd="sng" algn="ctr">
+                      <a:solidFill>
+                        <a:schemeClr val="tx1"/>
+                      </a:solidFill>
+                      <a:prstDash val="solid"/>
+                      <a:round/>
+                      <a:headEnd type="none" w="med" len="med"/>
+                      <a:tailEnd type="none" w="med" len="med"/>
+                    </a:lnB>
+                    <a:lnTlToBr w="12700" cmpd="sng">
+                      <a:noFill/>
+                      <a:prstDash val="solid"/>
+                    </a:lnTlToBr>
+                    <a:lnBlToTr w="12700" cmpd="sng">
+                      <a:noFill/>
+                      <a:prstDash val="solid"/>
+                    </a:lnBlToTr>
+                    <a:solidFill>
+                      <a:schemeClr val="bg2"/>
+                    </a:solidFill>
+                  </a:tcPr>
+                </a:tc>
+                <a:tc>
+                  <a:txBody>
+                    <a:bodyPr/>
+                    <a:lstStyle/>
+                    <a:p>
+                      <a:pPr algn="ctr" fontAlgn="ctr"/>
+                      <a:r>
+                        <a:rPr lang="en-GB" sz="1400" b="0" u="none" strike="noStrike">
+                          <a:ln>
+                            <a:solidFill>
+                              <a:schemeClr val="tx1"/>
+                            </a:solidFill>
+                          </a:ln>
+                          <a:solidFill>
+                            <a:srgbClr val="000000"/>
+                          </a:solidFill>
+                          <a:effectLst>
+                            <a:outerShdw blurRad="50800" dist="38100" dir="2700000" algn="tl" rotWithShape="0">
+                              <a:prstClr val="black">
+                                <a:alpha val="40000"/>
+                              </a:prstClr>
+                            </a:outerShdw>
+                          </a:effectLst>
+                        </a:rPr>
+                        <a:t>14.9</a:t>
+                      </a:r>
+                      <a:endParaRPr lang="en-GB" sz="1400" b="0" i="0" u="none" strike="noStrike">
+                        <a:ln>
+                          <a:solidFill>
+                            <a:schemeClr val="tx1"/>
+                          </a:solidFill>
+                        </a:ln>
+                        <a:solidFill>
+                          <a:srgbClr val="000000"/>
+                        </a:solidFill>
+                        <a:effectLst>
+                          <a:outerShdw blurRad="50800" dist="38100" dir="2700000" algn="tl" rotWithShape="0">
+                            <a:prstClr val="black">
+                              <a:alpha val="40000"/>
+                            </a:prstClr>
+                          </a:outerShdw>
+                        </a:effectLst>
+                        <a:latin typeface="Calibri" panose="020F0502020204030204" pitchFamily="34" charset="0"/>
+                      </a:endParaRPr>
+                    </a:p>
+                  </a:txBody>
+                  <a:tcPr marL="7473" marR="7473" marT="7473" marB="0" anchor="ctr">
+                    <a:lnL w="12700" cap="flat" cmpd="sng" algn="ctr">
+                      <a:solidFill>
+                        <a:schemeClr val="tx1"/>
+                      </a:solidFill>
+                      <a:prstDash val="solid"/>
+                      <a:round/>
+                      <a:headEnd type="none" w="med" len="med"/>
+                      <a:tailEnd type="none" w="med" len="med"/>
+                    </a:lnL>
+                    <a:lnR w="12700" cap="flat" cmpd="sng" algn="ctr">
+                      <a:solidFill>
+                        <a:schemeClr val="tx1"/>
+                      </a:solidFill>
+                      <a:prstDash val="solid"/>
+                      <a:round/>
+                      <a:headEnd type="none" w="med" len="med"/>
+                      <a:tailEnd type="none" w="med" len="med"/>
+                    </a:lnR>
+                    <a:lnT w="12700" cap="flat" cmpd="sng" algn="ctr">
+                      <a:solidFill>
+                        <a:schemeClr val="tx1"/>
+                      </a:solidFill>
+                      <a:prstDash val="solid"/>
+                      <a:round/>
+                      <a:headEnd type="none" w="med" len="med"/>
+                      <a:tailEnd type="none" w="med" len="med"/>
+                    </a:lnT>
+                    <a:lnB w="12700" cap="flat" cmpd="sng" algn="ctr">
+                      <a:solidFill>
+                        <a:schemeClr val="tx1"/>
+                      </a:solidFill>
+                      <a:prstDash val="solid"/>
+                      <a:round/>
+                      <a:headEnd type="none" w="med" len="med"/>
+                      <a:tailEnd type="none" w="med" len="med"/>
+                    </a:lnB>
+                    <a:lnTlToBr w="12700" cmpd="sng">
+                      <a:noFill/>
+                      <a:prstDash val="solid"/>
+                    </a:lnTlToBr>
+                    <a:lnBlToTr w="12700" cmpd="sng">
+                      <a:noFill/>
+                      <a:prstDash val="solid"/>
+                    </a:lnBlToTr>
+                    <a:solidFill>
+                      <a:schemeClr val="bg2"/>
+                    </a:solidFill>
+                  </a:tcPr>
+                </a:tc>
+                <a:extLst>
+                  <a:ext uri="{0D108BD9-81ED-4DB2-BD59-A6C34878D82A}">
+                    <a16:rowId xmlns:a16="http://schemas.microsoft.com/office/drawing/2014/main" val="3869456792"/>
+                  </a:ext>
+                </a:extLst>
+              </a:tr>
+              <a:tr h="248481">
+                <a:tc>
+                  <a:txBody>
+                    <a:bodyPr/>
+                    <a:lstStyle/>
+                    <a:p>
+                      <a:pPr algn="l" fontAlgn="ctr"/>
+                      <a:r>
+                        <a:rPr lang="en-GB" sz="1200" b="0" u="none" strike="noStrike" dirty="0">
+                          <a:ln>
+                            <a:solidFill>
+                              <a:schemeClr val="tx1"/>
+                            </a:solidFill>
+                          </a:ln>
+                          <a:solidFill>
+                            <a:srgbClr val="000000"/>
+                          </a:solidFill>
+                          <a:effectLst>
+                            <a:outerShdw blurRad="50800" dist="38100" dir="2700000" algn="tl" rotWithShape="0">
+                              <a:prstClr val="black">
+                                <a:alpha val="40000"/>
+                              </a:prstClr>
+                            </a:outerShdw>
+                          </a:effectLst>
+                        </a:rPr>
+                        <a:t>MyFitnessPal</a:t>
+                      </a:r>
+                      <a:endParaRPr lang="en-GB" sz="1200" b="0" i="0" u="none" strike="noStrike" dirty="0">
+                        <a:ln>
+                          <a:solidFill>
+                            <a:schemeClr val="tx1"/>
+                          </a:solidFill>
+                        </a:ln>
+                        <a:solidFill>
+                          <a:srgbClr val="000000"/>
+                        </a:solidFill>
+                        <a:effectLst>
+                          <a:outerShdw blurRad="50800" dist="38100" dir="2700000" algn="tl" rotWithShape="0">
+                            <a:prstClr val="black">
+                              <a:alpha val="40000"/>
+                            </a:prstClr>
+                          </a:outerShdw>
+                        </a:effectLst>
+                        <a:latin typeface="Calibri" panose="020F0502020204030204" pitchFamily="34" charset="0"/>
+                      </a:endParaRPr>
+                    </a:p>
+                  </a:txBody>
+                  <a:tcPr marL="7473" marR="7473" marT="7473" marB="0" anchor="ctr">
+                    <a:lnL w="12700" cap="flat" cmpd="sng" algn="ctr">
+                      <a:solidFill>
+                        <a:schemeClr val="tx1"/>
+                      </a:solidFill>
+                      <a:prstDash val="solid"/>
+                      <a:round/>
+                      <a:headEnd type="none" w="med" len="med"/>
+                      <a:tailEnd type="none" w="med" len="med"/>
+                    </a:lnL>
+                    <a:lnR w="12700" cap="flat" cmpd="sng" algn="ctr">
+                      <a:solidFill>
+                        <a:schemeClr val="tx1"/>
+                      </a:solidFill>
+                      <a:prstDash val="solid"/>
+                      <a:round/>
+                      <a:headEnd type="none" w="med" len="med"/>
+                      <a:tailEnd type="none" w="med" len="med"/>
+                    </a:lnR>
+                    <a:lnT w="12700" cap="flat" cmpd="sng" algn="ctr">
+                      <a:solidFill>
+                        <a:schemeClr val="tx1"/>
+                      </a:solidFill>
+                      <a:prstDash val="solid"/>
+                      <a:round/>
+                      <a:headEnd type="none" w="med" len="med"/>
+                      <a:tailEnd type="none" w="med" len="med"/>
+                    </a:lnT>
+                    <a:lnB w="12700" cap="flat" cmpd="sng" algn="ctr">
+                      <a:solidFill>
+                        <a:schemeClr val="tx1"/>
+                      </a:solidFill>
+                      <a:prstDash val="solid"/>
+                      <a:round/>
+                      <a:headEnd type="none" w="med" len="med"/>
+                      <a:tailEnd type="none" w="med" len="med"/>
+                    </a:lnB>
+                    <a:lnTlToBr w="12700" cmpd="sng">
+                      <a:noFill/>
+                      <a:prstDash val="solid"/>
+                    </a:lnTlToBr>
+                    <a:lnBlToTr w="12700" cmpd="sng">
+                      <a:noFill/>
+                      <a:prstDash val="solid"/>
+                    </a:lnBlToTr>
+                    <a:solidFill>
+                      <a:schemeClr val="bg2"/>
+                    </a:solidFill>
+                  </a:tcPr>
+                </a:tc>
+                <a:tc>
+                  <a:txBody>
+                    <a:bodyPr/>
+                    <a:lstStyle/>
+                    <a:p>
+                      <a:pPr algn="ctr" fontAlgn="ctr"/>
+                      <a:r>
+                        <a:rPr lang="en-GB" sz="1400" b="0" u="none" strike="noStrike" dirty="0">
+                          <a:ln>
+                            <a:solidFill>
+                              <a:schemeClr val="tx1"/>
+                            </a:solidFill>
+                          </a:ln>
+                          <a:solidFill>
+                            <a:srgbClr val="000000"/>
+                          </a:solidFill>
+                          <a:effectLst>
+                            <a:outerShdw blurRad="50800" dist="38100" dir="2700000" algn="tl" rotWithShape="0">
+                              <a:prstClr val="black">
+                                <a:alpha val="40000"/>
+                              </a:prstClr>
+                            </a:outerShdw>
+                          </a:effectLst>
+                        </a:rPr>
+                        <a:t>19.1</a:t>
+                      </a:r>
+                      <a:endParaRPr lang="en-GB" sz="1400" b="0" i="0" u="none" strike="noStrike" dirty="0">
+                        <a:ln>
+                          <a:solidFill>
+                            <a:schemeClr val="tx1"/>
+                          </a:solidFill>
+                        </a:ln>
+                        <a:solidFill>
+                          <a:srgbClr val="000000"/>
+                        </a:solidFill>
+                        <a:effectLst>
+                          <a:outerShdw blurRad="50800" dist="38100" dir="2700000" algn="tl" rotWithShape="0">
+                            <a:prstClr val="black">
+                              <a:alpha val="40000"/>
+                            </a:prstClr>
+                          </a:outerShdw>
+                        </a:effectLst>
+                        <a:latin typeface="Calibri" panose="020F0502020204030204" pitchFamily="34" charset="0"/>
+                      </a:endParaRPr>
+                    </a:p>
+                  </a:txBody>
+                  <a:tcPr marL="7473" marR="7473" marT="7473" marB="0" anchor="ctr">
+                    <a:lnL w="12700" cap="flat" cmpd="sng" algn="ctr">
+                      <a:solidFill>
+                        <a:schemeClr val="tx1"/>
+                      </a:solidFill>
+                      <a:prstDash val="solid"/>
+                      <a:round/>
+                      <a:headEnd type="none" w="med" len="med"/>
+                      <a:tailEnd type="none" w="med" len="med"/>
+                    </a:lnL>
+                    <a:lnR w="12700" cap="flat" cmpd="sng" algn="ctr">
+                      <a:solidFill>
+                        <a:schemeClr val="tx1"/>
+                      </a:solidFill>
+                      <a:prstDash val="solid"/>
+                      <a:round/>
+                      <a:headEnd type="none" w="med" len="med"/>
+                      <a:tailEnd type="none" w="med" len="med"/>
+                    </a:lnR>
+                    <a:lnT w="12700" cap="flat" cmpd="sng" algn="ctr">
+                      <a:solidFill>
+                        <a:schemeClr val="tx1"/>
+                      </a:solidFill>
+                      <a:prstDash val="solid"/>
+                      <a:round/>
+                      <a:headEnd type="none" w="med" len="med"/>
+                      <a:tailEnd type="none" w="med" len="med"/>
+                    </a:lnT>
+                    <a:lnB w="12700" cap="flat" cmpd="sng" algn="ctr">
+                      <a:solidFill>
+                        <a:schemeClr val="tx1"/>
+                      </a:solidFill>
+                      <a:prstDash val="solid"/>
+                      <a:round/>
+                      <a:headEnd type="none" w="med" len="med"/>
+                      <a:tailEnd type="none" w="med" len="med"/>
+                    </a:lnB>
+                    <a:lnTlToBr w="12700" cmpd="sng">
+                      <a:noFill/>
+                      <a:prstDash val="solid"/>
+                    </a:lnTlToBr>
+                    <a:lnBlToTr w="12700" cmpd="sng">
+                      <a:noFill/>
+                      <a:prstDash val="solid"/>
+                    </a:lnBlToTr>
+                    <a:solidFill>
+                      <a:schemeClr val="bg2"/>
+                    </a:solidFill>
+                  </a:tcPr>
+                </a:tc>
+                <a:extLst>
+                  <a:ext uri="{0D108BD9-81ED-4DB2-BD59-A6C34878D82A}">
+                    <a16:rowId xmlns:a16="http://schemas.microsoft.com/office/drawing/2014/main" val="2204666185"/>
+                  </a:ext>
+                </a:extLst>
+              </a:tr>
+              <a:tr h="248481">
+                <a:tc>
+                  <a:txBody>
+                    <a:bodyPr/>
+                    <a:lstStyle/>
+                    <a:p>
+                      <a:pPr algn="l" fontAlgn="ctr"/>
+                      <a:r>
+                        <a:rPr lang="en-GB" sz="1200" b="0" u="none" strike="noStrike">
+                          <a:ln>
+                            <a:solidFill>
+                              <a:schemeClr val="tx1"/>
+                            </a:solidFill>
+                          </a:ln>
+                          <a:solidFill>
+                            <a:srgbClr val="000000"/>
+                          </a:solidFill>
+                          <a:effectLst>
+                            <a:outerShdw blurRad="50800" dist="38100" dir="2700000" algn="tl" rotWithShape="0">
+                              <a:prstClr val="black">
+                                <a:alpha val="40000"/>
+                              </a:prstClr>
+                            </a:outerShdw>
+                          </a:effectLst>
+                        </a:rPr>
+                        <a:t>Fitbit</a:t>
+                      </a:r>
+                      <a:endParaRPr lang="en-GB" sz="1200" b="0" i="0" u="none" strike="noStrike">
+                        <a:ln>
+                          <a:solidFill>
+                            <a:schemeClr val="tx1"/>
+                          </a:solidFill>
+                        </a:ln>
+                        <a:solidFill>
+                          <a:srgbClr val="000000"/>
+                        </a:solidFill>
+                        <a:effectLst>
+                          <a:outerShdw blurRad="50800" dist="38100" dir="2700000" algn="tl" rotWithShape="0">
+                            <a:prstClr val="black">
+                              <a:alpha val="40000"/>
+                            </a:prstClr>
+                          </a:outerShdw>
+                        </a:effectLst>
+                        <a:latin typeface="Calibri" panose="020F0502020204030204" pitchFamily="34" charset="0"/>
+                      </a:endParaRPr>
+                    </a:p>
+                  </a:txBody>
+                  <a:tcPr marL="7473" marR="7473" marT="7473" marB="0" anchor="ctr">
+                    <a:lnL w="12700" cap="flat" cmpd="sng" algn="ctr">
+                      <a:solidFill>
+                        <a:schemeClr val="tx1"/>
+                      </a:solidFill>
+                      <a:prstDash val="solid"/>
+                      <a:round/>
+                      <a:headEnd type="none" w="med" len="med"/>
+                      <a:tailEnd type="none" w="med" len="med"/>
+                    </a:lnL>
+                    <a:lnR w="12700" cap="flat" cmpd="sng" algn="ctr">
+                      <a:solidFill>
+                        <a:schemeClr val="tx1"/>
+                      </a:solidFill>
+                      <a:prstDash val="solid"/>
+                      <a:round/>
+                      <a:headEnd type="none" w="med" len="med"/>
+                      <a:tailEnd type="none" w="med" len="med"/>
+                    </a:lnR>
+                    <a:lnT w="12700" cap="flat" cmpd="sng" algn="ctr">
+                      <a:solidFill>
+                        <a:schemeClr val="tx1"/>
+                      </a:solidFill>
+                      <a:prstDash val="solid"/>
+                      <a:round/>
+                      <a:headEnd type="none" w="med" len="med"/>
+                      <a:tailEnd type="none" w="med" len="med"/>
+                    </a:lnT>
+                    <a:lnB w="12700" cap="flat" cmpd="sng" algn="ctr">
+                      <a:solidFill>
+                        <a:schemeClr val="tx1"/>
+                      </a:solidFill>
+                      <a:prstDash val="solid"/>
+                      <a:round/>
+                      <a:headEnd type="none" w="med" len="med"/>
+                      <a:tailEnd type="none" w="med" len="med"/>
+                    </a:lnB>
+                    <a:lnTlToBr w="12700" cmpd="sng">
+                      <a:noFill/>
+                      <a:prstDash val="solid"/>
+                    </a:lnTlToBr>
+                    <a:lnBlToTr w="12700" cmpd="sng">
+                      <a:noFill/>
+                      <a:prstDash val="solid"/>
+                    </a:lnBlToTr>
+                    <a:solidFill>
+                      <a:schemeClr val="bg2"/>
+                    </a:solidFill>
+                  </a:tcPr>
+                </a:tc>
+                <a:tc>
+                  <a:txBody>
+                    <a:bodyPr/>
+                    <a:lstStyle/>
+                    <a:p>
+                      <a:pPr algn="ctr" fontAlgn="ctr"/>
+                      <a:r>
+                        <a:rPr lang="en-GB" sz="1400" b="0" u="none" strike="noStrike" dirty="0">
+                          <a:ln>
+                            <a:solidFill>
+                              <a:schemeClr val="tx1"/>
+                            </a:solidFill>
+                          </a:ln>
+                          <a:solidFill>
+                            <a:srgbClr val="000000"/>
+                          </a:solidFill>
+                          <a:effectLst>
+                            <a:outerShdw blurRad="50800" dist="38100" dir="2700000" algn="tl" rotWithShape="0">
+                              <a:prstClr val="black">
+                                <a:alpha val="40000"/>
+                              </a:prstClr>
+                            </a:outerShdw>
+                          </a:effectLst>
+                        </a:rPr>
+                        <a:t>27.4</a:t>
+                      </a:r>
+                      <a:endParaRPr lang="en-GB" sz="1400" b="0" i="0" u="none" strike="noStrike" dirty="0">
+                        <a:ln>
+                          <a:solidFill>
+                            <a:schemeClr val="tx1"/>
+                          </a:solidFill>
+                        </a:ln>
+                        <a:solidFill>
+                          <a:srgbClr val="000000"/>
+                        </a:solidFill>
+                        <a:effectLst>
+                          <a:outerShdw blurRad="50800" dist="38100" dir="2700000" algn="tl" rotWithShape="0">
+                            <a:prstClr val="black">
+                              <a:alpha val="40000"/>
+                            </a:prstClr>
+                          </a:outerShdw>
+                        </a:effectLst>
+                        <a:latin typeface="Calibri" panose="020F0502020204030204" pitchFamily="34" charset="0"/>
+                      </a:endParaRPr>
+                    </a:p>
+                  </a:txBody>
+                  <a:tcPr marL="7473" marR="7473" marT="7473" marB="0" anchor="ctr">
+                    <a:lnL w="12700" cap="flat" cmpd="sng" algn="ctr">
+                      <a:solidFill>
+                        <a:schemeClr val="tx1"/>
+                      </a:solidFill>
+                      <a:prstDash val="solid"/>
+                      <a:round/>
+                      <a:headEnd type="none" w="med" len="med"/>
+                      <a:tailEnd type="none" w="med" len="med"/>
+                    </a:lnL>
+                    <a:lnR w="12700" cap="flat" cmpd="sng" algn="ctr">
+                      <a:solidFill>
+                        <a:schemeClr val="tx1"/>
+                      </a:solidFill>
+                      <a:prstDash val="solid"/>
+                      <a:round/>
+                      <a:headEnd type="none" w="med" len="med"/>
+                      <a:tailEnd type="none" w="med" len="med"/>
+                    </a:lnR>
+                    <a:lnT w="12700" cap="flat" cmpd="sng" algn="ctr">
+                      <a:solidFill>
+                        <a:schemeClr val="tx1"/>
+                      </a:solidFill>
+                      <a:prstDash val="solid"/>
+                      <a:round/>
+                      <a:headEnd type="none" w="med" len="med"/>
+                      <a:tailEnd type="none" w="med" len="med"/>
+                    </a:lnT>
+                    <a:lnB w="12700" cap="flat" cmpd="sng" algn="ctr">
+                      <a:solidFill>
+                        <a:schemeClr val="tx1"/>
+                      </a:solidFill>
+                      <a:prstDash val="solid"/>
+                      <a:round/>
+                      <a:headEnd type="none" w="med" len="med"/>
+                      <a:tailEnd type="none" w="med" len="med"/>
+                    </a:lnB>
+                    <a:lnTlToBr w="12700" cmpd="sng">
+                      <a:noFill/>
+                      <a:prstDash val="solid"/>
+                    </a:lnTlToBr>
+                    <a:lnBlToTr w="12700" cmpd="sng">
+                      <a:noFill/>
+                      <a:prstDash val="solid"/>
+                    </a:lnBlToTr>
+                    <a:solidFill>
+                      <a:schemeClr val="bg2"/>
+                    </a:solidFill>
+                  </a:tcPr>
+                </a:tc>
+                <a:extLst>
+                  <a:ext uri="{0D108BD9-81ED-4DB2-BD59-A6C34878D82A}">
+                    <a16:rowId xmlns:a16="http://schemas.microsoft.com/office/drawing/2014/main" val="3000844862"/>
+                  </a:ext>
+                </a:extLst>
+              </a:tr>
+            </a:tbl>
+          </a:graphicData>
+        </a:graphic>
+      </p:graphicFrame>
     </p:spTree>
   </p:cSld>
   <p:clrMapOvr>
